--- a/Education for income.pptx
+++ b/Education for income.pptx
@@ -7,7 +7,7 @@
     <p:sldMasterId id="2147483672" r:id="rId3"/>
   </p:sldMasterIdLst>
   <p:notesMasterIdLst>
-    <p:notesMasterId r:id="rId17"/>
+    <p:notesMasterId r:id="rId15"/>
   </p:notesMasterIdLst>
   <p:sldIdLst>
     <p:sldId id="256" r:id="rId4"/>
@@ -15,14 +15,12 @@
     <p:sldId id="261" r:id="rId6"/>
     <p:sldId id="262" r:id="rId7"/>
     <p:sldId id="263" r:id="rId8"/>
-    <p:sldId id="274" r:id="rId9"/>
-    <p:sldId id="265" r:id="rId10"/>
-    <p:sldId id="275" r:id="rId11"/>
-    <p:sldId id="270" r:id="rId12"/>
-    <p:sldId id="272" r:id="rId13"/>
-    <p:sldId id="273" r:id="rId14"/>
-    <p:sldId id="276" r:id="rId15"/>
-    <p:sldId id="266" r:id="rId16"/>
+    <p:sldId id="265" r:id="rId9"/>
+    <p:sldId id="270" r:id="rId10"/>
+    <p:sldId id="272" r:id="rId11"/>
+    <p:sldId id="273" r:id="rId12"/>
+    <p:sldId id="276" r:id="rId13"/>
+    <p:sldId id="266" r:id="rId14"/>
   </p:sldIdLst>
   <p:sldSz cx="12192000" cy="6858000"/>
   <p:notesSz cx="6858000" cy="9144000"/>
@@ -127,6 +125,57 @@
     </p:ext>
   </p:extLst>
 </p:presentation>
+</file>
+
+<file path=ppt/revisionInfo.xml><?xml version="1.0" encoding="utf-8"?>
+<p1510:revInfo xmlns:a="http://schemas.openxmlformats.org/drawingml/2006/main" xmlns:r="http://schemas.openxmlformats.org/officeDocument/2006/relationships" xmlns:p1510="http://schemas.microsoft.com/office/powerpoint/2015/10/main">
+  <p1510:revLst>
+    <p1510:client id="{1C2DCD8C-C766-4FC6-B3FA-D41B355FCA18}" v="1" dt="2022-08-31T01:20:37.686"/>
+  </p1510:revLst>
+</p1510:revInfo>
+</file>
+
+<file path=ppt/changesInfos/changesInfo1.xml><?xml version="1.0" encoding="utf-8"?>
+<pc:chgInfo xmlns:a="http://schemas.openxmlformats.org/drawingml/2006/main" xmlns:r="http://schemas.openxmlformats.org/officeDocument/2006/relationships" xmlns:ac="http://schemas.microsoft.com/office/drawing/2013/main/command" xmlns:pc="http://schemas.microsoft.com/office/powerpoint/2013/main/command">
+  <pc:docChgLst>
+    <pc:chgData name="prak bagavatula" userId="f05f830ce8060121" providerId="LiveId" clId="{1C2DCD8C-C766-4FC6-B3FA-D41B355FCA18}"/>
+    <pc:docChg chg="delSld modSld">
+      <pc:chgData name="prak bagavatula" userId="f05f830ce8060121" providerId="LiveId" clId="{1C2DCD8C-C766-4FC6-B3FA-D41B355FCA18}" dt="2022-08-31T01:21:07.012" v="6" actId="2696"/>
+      <pc:docMkLst>
+        <pc:docMk/>
+      </pc:docMkLst>
+      <pc:sldChg chg="addSp modSp mod">
+        <pc:chgData name="prak bagavatula" userId="f05f830ce8060121" providerId="LiveId" clId="{1C2DCD8C-C766-4FC6-B3FA-D41B355FCA18}" dt="2022-08-31T01:20:43.913" v="4" actId="1076"/>
+        <pc:sldMkLst>
+          <pc:docMk/>
+          <pc:sldMk cId="0" sldId="265"/>
+        </pc:sldMkLst>
+        <pc:picChg chg="add mod">
+          <ac:chgData name="prak bagavatula" userId="f05f830ce8060121" providerId="LiveId" clId="{1C2DCD8C-C766-4FC6-B3FA-D41B355FCA18}" dt="2022-08-31T01:20:43.913" v="4" actId="1076"/>
+          <ac:picMkLst>
+            <pc:docMk/>
+            <pc:sldMk cId="0" sldId="265"/>
+            <ac:picMk id="3" creationId="{666FF72E-6224-076E-89FD-4AAC23B7705E}"/>
+          </ac:picMkLst>
+        </pc:picChg>
+      </pc:sldChg>
+      <pc:sldChg chg="del">
+        <pc:chgData name="prak bagavatula" userId="f05f830ce8060121" providerId="LiveId" clId="{1C2DCD8C-C766-4FC6-B3FA-D41B355FCA18}" dt="2022-08-31T01:21:04.379" v="5" actId="2696"/>
+        <pc:sldMkLst>
+          <pc:docMk/>
+          <pc:sldMk cId="463498400" sldId="274"/>
+        </pc:sldMkLst>
+      </pc:sldChg>
+      <pc:sldChg chg="del">
+        <pc:chgData name="prak bagavatula" userId="f05f830ce8060121" providerId="LiveId" clId="{1C2DCD8C-C766-4FC6-B3FA-D41B355FCA18}" dt="2022-08-31T01:21:07.012" v="6" actId="2696"/>
+        <pc:sldMkLst>
+          <pc:docMk/>
+          <pc:sldMk cId="1717816431" sldId="275"/>
+        </pc:sldMkLst>
+      </pc:sldChg>
+    </pc:docChg>
+  </pc:docChgLst>
+</pc:chgInfo>
 </file>
 
 <file path=ppt/notesMasters/notesMaster1.xml><?xml version="1.0" encoding="utf-8"?>
@@ -23425,6 +23474,1717 @@
   <p:cSld>
     <p:spTree>
       <p:nvGrpSpPr>
+        <p:cNvPr id="1" name=""/>
+        <p:cNvGrpSpPr/>
+        <p:nvPr/>
+      </p:nvGrpSpPr>
+      <p:grpSpPr>
+        <a:xfrm>
+          <a:off x="0" y="0"/>
+          <a:ext cx="0" cy="0"/>
+          <a:chOff x="0" y="0"/>
+          <a:chExt cx="0" cy="0"/>
+        </a:xfrm>
+      </p:grpSpPr>
+      <p:sp>
+        <p:nvSpPr>
+          <p:cNvPr id="2" name="Title 1">
+            <a:extLst>
+              <a:ext uri="{FF2B5EF4-FFF2-40B4-BE49-F238E27FC236}">
+                <a16:creationId xmlns:a16="http://schemas.microsoft.com/office/drawing/2014/main" id="{F339A340-2300-425F-BB82-06D168E6CBAF}"/>
+              </a:ext>
+            </a:extLst>
+          </p:cNvPr>
+          <p:cNvSpPr>
+            <a:spLocks noGrp="1"/>
+          </p:cNvSpPr>
+          <p:nvPr>
+            <p:ph type="title" idx="4294967295"/>
+          </p:nvPr>
+        </p:nvSpPr>
+        <p:spPr>
+          <a:xfrm>
+            <a:off x="0" y="109538"/>
+            <a:ext cx="8534400" cy="1508125"/>
+          </a:xfrm>
+        </p:spPr>
+        <p:txBody>
+          <a:bodyPr/>
+          <a:lstStyle/>
+          <a:p>
+            <a:r>
+              <a:rPr lang="en-US" dirty="0"/>
+              <a:t>What we learned</a:t>
+            </a:r>
+          </a:p>
+        </p:txBody>
+      </p:sp>
+      <p:sp>
+        <p:nvSpPr>
+          <p:cNvPr id="3" name="Content Placeholder 2">
+            <a:extLst>
+              <a:ext uri="{FF2B5EF4-FFF2-40B4-BE49-F238E27FC236}">
+                <a16:creationId xmlns:a16="http://schemas.microsoft.com/office/drawing/2014/main" id="{234D25F6-9361-4D7F-A045-12C18353E452}"/>
+              </a:ext>
+            </a:extLst>
+          </p:cNvPr>
+          <p:cNvSpPr>
+            <a:spLocks noGrp="1"/>
+          </p:cNvSpPr>
+          <p:nvPr>
+            <p:ph idx="4294967295"/>
+          </p:nvPr>
+        </p:nvSpPr>
+        <p:spPr>
+          <a:xfrm>
+            <a:off x="0" y="2082800"/>
+            <a:ext cx="8534400" cy="3614738"/>
+          </a:xfrm>
+        </p:spPr>
+        <p:txBody>
+          <a:bodyPr/>
+          <a:lstStyle/>
+          <a:p>
+            <a:r>
+              <a:rPr lang="en-US" dirty="0">
+                <a:solidFill>
+                  <a:srgbClr val="FF0000"/>
+                </a:solidFill>
+              </a:rPr>
+              <a:t>(add text)</a:t>
+            </a:r>
+          </a:p>
+        </p:txBody>
+      </p:sp>
+    </p:spTree>
+    <p:extLst>
+      <p:ext uri="{BB962C8B-B14F-4D97-AF65-F5344CB8AC3E}">
+        <p14:creationId xmlns:p14="http://schemas.microsoft.com/office/powerpoint/2010/main" val="3606339361"/>
+      </p:ext>
+    </p:extLst>
+  </p:cSld>
+  <p:clrMapOvr>
+    <a:masterClrMapping/>
+  </p:clrMapOvr>
+</p:sld>
+</file>
+
+<file path=ppt/slides/slide11.xml><?xml version="1.0" encoding="utf-8"?>
+<p:sld xmlns:a="http://schemas.openxmlformats.org/drawingml/2006/main" xmlns:r="http://schemas.openxmlformats.org/officeDocument/2006/relationships" xmlns:p="http://schemas.openxmlformats.org/presentationml/2006/main">
+  <p:cSld>
+    <p:spTree>
+      <p:nvGrpSpPr>
+        <p:cNvPr id="1" name=""/>
+        <p:cNvGrpSpPr/>
+        <p:nvPr/>
+      </p:nvGrpSpPr>
+      <p:grpSpPr>
+        <a:xfrm>
+          <a:off x="0" y="0"/>
+          <a:ext cx="0" cy="0"/>
+          <a:chOff x="0" y="0"/>
+          <a:chExt cx="0" cy="0"/>
+        </a:xfrm>
+      </p:grpSpPr>
+      <p:sp>
+        <p:nvSpPr>
+          <p:cNvPr id="2" name="Title 1">
+            <a:extLst>
+              <a:ext uri="{FF2B5EF4-FFF2-40B4-BE49-F238E27FC236}">
+                <a16:creationId xmlns:a16="http://schemas.microsoft.com/office/drawing/2014/main" id="{D8D49DFA-66BE-4652-8EBF-EACCBFD662E7}"/>
+              </a:ext>
+            </a:extLst>
+          </p:cNvPr>
+          <p:cNvSpPr>
+            <a:spLocks noGrp="1"/>
+          </p:cNvSpPr>
+          <p:nvPr>
+            <p:ph type="title" idx="4294967295"/>
+          </p:nvPr>
+        </p:nvSpPr>
+        <p:spPr>
+          <a:xfrm>
+            <a:off x="0" y="895350"/>
+            <a:ext cx="8534400" cy="1506538"/>
+          </a:xfrm>
+        </p:spPr>
+        <p:txBody>
+          <a:bodyPr/>
+          <a:lstStyle/>
+          <a:p>
+            <a:r>
+              <a:rPr lang="en-US" dirty="0"/>
+              <a:t>Future</a:t>
+            </a:r>
+          </a:p>
+        </p:txBody>
+      </p:sp>
+      <p:sp>
+        <p:nvSpPr>
+          <p:cNvPr id="3" name="Content Placeholder 2">
+            <a:extLst>
+              <a:ext uri="{FF2B5EF4-FFF2-40B4-BE49-F238E27FC236}">
+                <a16:creationId xmlns:a16="http://schemas.microsoft.com/office/drawing/2014/main" id="{2198673E-7CC1-4548-B21E-78DA8EB7E866}"/>
+              </a:ext>
+            </a:extLst>
+          </p:cNvPr>
+          <p:cNvSpPr>
+            <a:spLocks noGrp="1"/>
+          </p:cNvSpPr>
+          <p:nvPr>
+            <p:ph idx="4294967295"/>
+          </p:nvPr>
+        </p:nvSpPr>
+        <p:spPr>
+          <a:xfrm>
+            <a:off x="0" y="2347913"/>
+            <a:ext cx="8534400" cy="3614737"/>
+          </a:xfrm>
+        </p:spPr>
+        <p:txBody>
+          <a:bodyPr/>
+          <a:lstStyle/>
+          <a:p>
+            <a:r>
+              <a:rPr lang="en-US" dirty="0">
+                <a:solidFill>
+                  <a:srgbClr val="FF0000"/>
+                </a:solidFill>
+              </a:rPr>
+              <a:t>What we would like to add with further development and time</a:t>
+            </a:r>
+          </a:p>
+        </p:txBody>
+      </p:sp>
+    </p:spTree>
+    <p:extLst>
+      <p:ext uri="{BB962C8B-B14F-4D97-AF65-F5344CB8AC3E}">
+        <p14:creationId xmlns:p14="http://schemas.microsoft.com/office/powerpoint/2010/main" val="1373066523"/>
+      </p:ext>
+    </p:extLst>
+  </p:cSld>
+  <p:clrMapOvr>
+    <a:masterClrMapping/>
+  </p:clrMapOvr>
+</p:sld>
+</file>
+
+<file path=ppt/slides/slide2.xml><?xml version="1.0" encoding="utf-8"?>
+<p:sld xmlns:a="http://schemas.openxmlformats.org/drawingml/2006/main" xmlns:r="http://schemas.openxmlformats.org/officeDocument/2006/relationships" xmlns:p="http://schemas.openxmlformats.org/presentationml/2006/main">
+  <p:cSld>
+    <p:spTree>
+      <p:nvGrpSpPr>
+        <p:cNvPr id="1" name="Shape 133"/>
+        <p:cNvGrpSpPr/>
+        <p:nvPr/>
+      </p:nvGrpSpPr>
+      <p:grpSpPr>
+        <a:xfrm>
+          <a:off x="0" y="0"/>
+          <a:ext cx="0" cy="0"/>
+          <a:chOff x="0" y="0"/>
+          <a:chExt cx="0" cy="0"/>
+        </a:xfrm>
+      </p:grpSpPr>
+      <p:sp>
+        <p:nvSpPr>
+          <p:cNvPr id="134" name="Google Shape;134;p14"/>
+          <p:cNvSpPr txBox="1">
+            <a:spLocks noGrp="1"/>
+          </p:cNvSpPr>
+          <p:nvPr>
+            <p:ph type="title" idx="4294967295"/>
+          </p:nvPr>
+        </p:nvSpPr>
+        <p:spPr>
+          <a:xfrm>
+            <a:off x="0" y="309563"/>
+            <a:ext cx="10007600" cy="862012"/>
+          </a:xfrm>
+          <a:prstGeom prst="rect">
+            <a:avLst/>
+          </a:prstGeom>
+        </p:spPr>
+        <p:txBody>
+          <a:bodyPr spcFirstLastPara="1" wrap="square" lIns="121900" tIns="121900" rIns="121900" bIns="121900" anchor="t" anchorCtr="0">
+            <a:noAutofit/>
+          </a:bodyPr>
+          <a:lstStyle/>
+          <a:p>
+            <a:r>
+              <a:rPr lang="en" b="1" dirty="0"/>
+              <a:t>Analysis Importance </a:t>
+            </a:r>
+            <a:endParaRPr b="1" dirty="0"/>
+          </a:p>
+        </p:txBody>
+      </p:sp>
+      <p:sp>
+        <p:nvSpPr>
+          <p:cNvPr id="135" name="Google Shape;135;p14"/>
+          <p:cNvSpPr txBox="1">
+            <a:spLocks noGrp="1"/>
+          </p:cNvSpPr>
+          <p:nvPr>
+            <p:ph type="body" idx="4294967295"/>
+          </p:nvPr>
+        </p:nvSpPr>
+        <p:spPr>
+          <a:xfrm>
+            <a:off x="731838" y="1138238"/>
+            <a:ext cx="11287442" cy="5475287"/>
+          </a:xfrm>
+          <a:prstGeom prst="rect">
+            <a:avLst/>
+          </a:prstGeom>
+        </p:spPr>
+        <p:txBody>
+          <a:bodyPr spcFirstLastPara="1" wrap="square" lIns="121900" tIns="121900" rIns="121900" bIns="121900" anchor="t" anchorCtr="0">
+            <a:noAutofit/>
+          </a:bodyPr>
+          <a:lstStyle/>
+          <a:p>
+            <a:pPr marL="11" indent="0">
+              <a:buClr>
+                <a:srgbClr val="424242"/>
+              </a:buClr>
+              <a:buSzPts val="1800"/>
+              <a:buNone/>
+            </a:pPr>
+            <a:r>
+              <a:rPr lang="en" sz="2000" b="1" dirty="0">
+                <a:solidFill>
+                  <a:srgbClr val="424242"/>
+                </a:solidFill>
+                <a:latin typeface="+mn-lt"/>
+                <a:ea typeface="Nunito"/>
+                <a:cs typeface="Nunito"/>
+                <a:sym typeface="Nunito"/>
+              </a:rPr>
+              <a:t>   Background: </a:t>
+            </a:r>
+            <a:endParaRPr sz="2000" b="1" dirty="0">
+              <a:solidFill>
+                <a:srgbClr val="424242"/>
+              </a:solidFill>
+              <a:latin typeface="+mn-lt"/>
+              <a:ea typeface="Nunito"/>
+              <a:cs typeface="Nunito"/>
+              <a:sym typeface="Nunito"/>
+            </a:endParaRPr>
+          </a:p>
+          <a:p>
+            <a:pPr lvl="1" indent="-457189">
+              <a:spcBef>
+                <a:spcPts val="0"/>
+              </a:spcBef>
+              <a:buClr>
+                <a:srgbClr val="424242"/>
+              </a:buClr>
+              <a:buSzPts val="1800"/>
+              <a:buFont typeface="Nunito"/>
+              <a:buChar char="○"/>
+            </a:pPr>
+            <a:r>
+              <a:rPr lang="en" sz="2000" b="0" i="0" dirty="0">
+                <a:solidFill>
+                  <a:srgbClr val="424242"/>
+                </a:solidFill>
+                <a:effectLst/>
+                <a:latin typeface="+mn-lt"/>
+                <a:sym typeface="Nunito"/>
+              </a:rPr>
+              <a:t>T</a:t>
+            </a:r>
+            <a:r>
+              <a:rPr lang="en-US" sz="2000" b="0" i="0" dirty="0">
+                <a:solidFill>
+                  <a:srgbClr val="212121"/>
+                </a:solidFill>
+                <a:effectLst/>
+                <a:latin typeface="+mn-lt"/>
+              </a:rPr>
+              <a:t>he relationship between income and </a:t>
+            </a:r>
+            <a:r>
+              <a:rPr lang="en-US" sz="2000" dirty="0">
+                <a:solidFill>
+                  <a:srgbClr val="212121"/>
+                </a:solidFill>
+                <a:latin typeface="+mn-lt"/>
+              </a:rPr>
+              <a:t>Education level</a:t>
+            </a:r>
+            <a:r>
+              <a:rPr lang="en-US" sz="2000" b="0" i="0" dirty="0">
+                <a:solidFill>
+                  <a:srgbClr val="212121"/>
+                </a:solidFill>
+                <a:effectLst/>
+                <a:latin typeface="+mn-lt"/>
+              </a:rPr>
+              <a:t> is well established but remains sometimes poorly understood</a:t>
+            </a:r>
+          </a:p>
+          <a:p>
+            <a:pPr lvl="1" indent="-457189">
+              <a:spcBef>
+                <a:spcPts val="0"/>
+              </a:spcBef>
+              <a:buClr>
+                <a:srgbClr val="424242"/>
+              </a:buClr>
+              <a:buSzPts val="1800"/>
+              <a:buFont typeface="Nunito"/>
+              <a:buChar char="○"/>
+            </a:pPr>
+            <a:endParaRPr lang="en-US" sz="2000" b="0" i="0" dirty="0">
+              <a:solidFill>
+                <a:srgbClr val="212121"/>
+              </a:solidFill>
+              <a:effectLst/>
+              <a:latin typeface="+mn-lt"/>
+            </a:endParaRPr>
+          </a:p>
+          <a:p>
+            <a:pPr marL="457211" lvl="1" indent="0">
+              <a:spcBef>
+                <a:spcPts val="0"/>
+              </a:spcBef>
+              <a:buClr>
+                <a:srgbClr val="424242"/>
+              </a:buClr>
+              <a:buSzPts val="1800"/>
+              <a:buNone/>
+            </a:pPr>
+            <a:r>
+              <a:rPr lang="en-US" sz="2000" b="1" dirty="0">
+                <a:solidFill>
+                  <a:srgbClr val="424242"/>
+                </a:solidFill>
+                <a:latin typeface="Nunito"/>
+                <a:ea typeface="Nunito"/>
+                <a:cs typeface="Nunito"/>
+                <a:sym typeface="Nunito"/>
+              </a:rPr>
+              <a:t>Goal:</a:t>
+            </a:r>
+            <a:r>
+              <a:rPr lang="en-US" sz="2000" dirty="0">
+                <a:solidFill>
+                  <a:srgbClr val="424242"/>
+                </a:solidFill>
+                <a:latin typeface="Nunito"/>
+                <a:ea typeface="Nunito"/>
+                <a:cs typeface="Nunito"/>
+                <a:sym typeface="Nunito"/>
+              </a:rPr>
+              <a:t>  </a:t>
+            </a:r>
+          </a:p>
+          <a:p>
+            <a:pPr marL="457211" lvl="1" indent="0">
+              <a:spcBef>
+                <a:spcPts val="0"/>
+              </a:spcBef>
+              <a:buClr>
+                <a:srgbClr val="424242"/>
+              </a:buClr>
+              <a:buSzPts val="1800"/>
+              <a:buNone/>
+            </a:pPr>
+            <a:r>
+              <a:rPr lang="en-US" sz="2000" dirty="0">
+                <a:solidFill>
+                  <a:srgbClr val="424242"/>
+                </a:solidFill>
+                <a:latin typeface="Nunito"/>
+                <a:ea typeface="Nunito"/>
+                <a:cs typeface="Nunito"/>
+                <a:sym typeface="Nunito"/>
+              </a:rPr>
+              <a:t>     Use Machine Learning and analyze the relationship between income per Capita on the number of  Bachelors percentage and postsecondary degree holding by State in the US</a:t>
+            </a:r>
+          </a:p>
+          <a:p>
+            <a:pPr marL="457211" lvl="1" indent="0">
+              <a:spcBef>
+                <a:spcPts val="0"/>
+              </a:spcBef>
+              <a:buClr>
+                <a:srgbClr val="424242"/>
+              </a:buClr>
+              <a:buSzPts val="1800"/>
+              <a:buNone/>
+            </a:pPr>
+            <a:endParaRPr lang="en-US" sz="2000" dirty="0">
+              <a:solidFill>
+                <a:srgbClr val="424242"/>
+              </a:solidFill>
+              <a:latin typeface="Nunito"/>
+              <a:ea typeface="Nunito"/>
+              <a:cs typeface="Nunito"/>
+              <a:sym typeface="Nunito"/>
+            </a:endParaRPr>
+          </a:p>
+          <a:p>
+            <a:pPr marL="457211" lvl="1" indent="0">
+              <a:spcBef>
+                <a:spcPts val="0"/>
+              </a:spcBef>
+              <a:buClr>
+                <a:srgbClr val="424242"/>
+              </a:buClr>
+              <a:buSzPts val="1800"/>
+              <a:buNone/>
+            </a:pPr>
+            <a:r>
+              <a:rPr lang="en-US" sz="2000" b="1" dirty="0">
+                <a:solidFill>
+                  <a:srgbClr val="424242"/>
+                </a:solidFill>
+                <a:latin typeface="Nunito"/>
+                <a:ea typeface="Nunito"/>
+                <a:cs typeface="Nunito"/>
+                <a:sym typeface="Nunito"/>
+              </a:rPr>
+              <a:t>Variables for Exploration: </a:t>
+            </a:r>
+          </a:p>
+          <a:p>
+            <a:pPr marL="457211" lvl="1" indent="0">
+              <a:spcBef>
+                <a:spcPts val="0"/>
+              </a:spcBef>
+              <a:buClr>
+                <a:srgbClr val="424242"/>
+              </a:buClr>
+              <a:buSzPts val="1800"/>
+              <a:buNone/>
+            </a:pPr>
+            <a:r>
+              <a:rPr lang="en-US" sz="2000" dirty="0">
+                <a:solidFill>
+                  <a:srgbClr val="424242"/>
+                </a:solidFill>
+                <a:latin typeface="Nunito"/>
+                <a:ea typeface="Nunito"/>
+                <a:cs typeface="Nunito"/>
+                <a:sym typeface="Nunito"/>
+              </a:rPr>
+              <a:t>Per Capita Income (by State), Bachelor's degree Percentage and post secondary percentage (by State)</a:t>
+            </a:r>
+          </a:p>
+          <a:p>
+            <a:pPr marL="457211" lvl="1" indent="0">
+              <a:spcBef>
+                <a:spcPts val="0"/>
+              </a:spcBef>
+              <a:buClr>
+                <a:srgbClr val="424242"/>
+              </a:buClr>
+              <a:buSzPts val="1800"/>
+              <a:buNone/>
+            </a:pPr>
+            <a:endParaRPr lang="en-US" sz="2000" dirty="0">
+              <a:solidFill>
+                <a:srgbClr val="424242"/>
+              </a:solidFill>
+              <a:latin typeface="Nunito"/>
+              <a:ea typeface="Nunito"/>
+              <a:cs typeface="Nunito"/>
+              <a:sym typeface="Nunito"/>
+            </a:endParaRPr>
+          </a:p>
+          <a:p>
+            <a:pPr marL="457211" lvl="1" indent="0">
+              <a:spcBef>
+                <a:spcPts val="0"/>
+              </a:spcBef>
+              <a:buClr>
+                <a:srgbClr val="424242"/>
+              </a:buClr>
+              <a:buSzPts val="1800"/>
+              <a:buNone/>
+            </a:pPr>
+            <a:r>
+              <a:rPr lang="en-US" sz="2000" b="1" dirty="0">
+                <a:solidFill>
+                  <a:srgbClr val="424242"/>
+                </a:solidFill>
+                <a:latin typeface="Nunito"/>
+                <a:ea typeface="Nunito"/>
+                <a:cs typeface="Nunito"/>
+                <a:sym typeface="Nunito"/>
+              </a:rPr>
+              <a:t>Period: </a:t>
+            </a:r>
+            <a:r>
+              <a:rPr lang="en-US" sz="2000" dirty="0">
+                <a:solidFill>
+                  <a:srgbClr val="424242"/>
+                </a:solidFill>
+                <a:latin typeface="Nunito"/>
+                <a:ea typeface="Nunito"/>
+                <a:cs typeface="Nunito"/>
+                <a:sym typeface="Nunito"/>
+              </a:rPr>
+              <a:t>2012-2017</a:t>
+            </a:r>
+          </a:p>
+          <a:p>
+            <a:pPr marL="457211" lvl="1" indent="0">
+              <a:spcBef>
+                <a:spcPts val="0"/>
+              </a:spcBef>
+              <a:buClr>
+                <a:srgbClr val="424242"/>
+              </a:buClr>
+              <a:buSzPts val="1800"/>
+              <a:buNone/>
+            </a:pPr>
+            <a:endParaRPr sz="2400" dirty="0">
+              <a:solidFill>
+                <a:srgbClr val="424242"/>
+              </a:solidFill>
+              <a:latin typeface="+mn-lt"/>
+              <a:ea typeface="Nunito"/>
+              <a:cs typeface="Nunito"/>
+              <a:sym typeface="Nunito"/>
+            </a:endParaRPr>
+          </a:p>
+        </p:txBody>
+      </p:sp>
+    </p:spTree>
+  </p:cSld>
+  <p:clrMapOvr>
+    <a:masterClrMapping/>
+  </p:clrMapOvr>
+</p:sld>
+</file>
+
+<file path=ppt/slides/slide3.xml><?xml version="1.0" encoding="utf-8"?>
+<p:sld xmlns:a="http://schemas.openxmlformats.org/drawingml/2006/main" xmlns:r="http://schemas.openxmlformats.org/officeDocument/2006/relationships" xmlns:p="http://schemas.openxmlformats.org/presentationml/2006/main">
+  <p:cSld>
+    <p:spTree>
+      <p:nvGrpSpPr>
+        <p:cNvPr id="1" name="Shape 151"/>
+        <p:cNvGrpSpPr/>
+        <p:nvPr/>
+      </p:nvGrpSpPr>
+      <p:grpSpPr>
+        <a:xfrm>
+          <a:off x="0" y="0"/>
+          <a:ext cx="0" cy="0"/>
+          <a:chOff x="0" y="0"/>
+          <a:chExt cx="0" cy="0"/>
+        </a:xfrm>
+      </p:grpSpPr>
+      <p:sp>
+        <p:nvSpPr>
+          <p:cNvPr id="152" name="Google Shape;152;p17"/>
+          <p:cNvSpPr txBox="1">
+            <a:spLocks noGrp="1"/>
+          </p:cNvSpPr>
+          <p:nvPr>
+            <p:ph type="title" idx="4294967295"/>
+          </p:nvPr>
+        </p:nvSpPr>
+        <p:spPr>
+          <a:xfrm>
+            <a:off x="0" y="269875"/>
+            <a:ext cx="10007600" cy="862013"/>
+          </a:xfrm>
+          <a:prstGeom prst="rect">
+            <a:avLst/>
+          </a:prstGeom>
+        </p:spPr>
+        <p:txBody>
+          <a:bodyPr spcFirstLastPara="1" wrap="square" lIns="121900" tIns="121900" rIns="121900" bIns="121900" anchor="t" anchorCtr="0">
+            <a:noAutofit/>
+          </a:bodyPr>
+          <a:lstStyle/>
+          <a:p>
+            <a:r>
+              <a:rPr lang="en" b="1" dirty="0"/>
+              <a:t>Sources and tools Used </a:t>
+            </a:r>
+            <a:endParaRPr b="1" dirty="0"/>
+          </a:p>
+        </p:txBody>
+      </p:sp>
+      <p:sp>
+        <p:nvSpPr>
+          <p:cNvPr id="153" name="Google Shape;153;p17"/>
+          <p:cNvSpPr txBox="1">
+            <a:spLocks noGrp="1"/>
+          </p:cNvSpPr>
+          <p:nvPr>
+            <p:ph type="body" idx="4294967295"/>
+          </p:nvPr>
+        </p:nvSpPr>
+        <p:spPr>
+          <a:xfrm>
+            <a:off x="0" y="995680"/>
+            <a:ext cx="10007600" cy="5191760"/>
+          </a:xfrm>
+          <a:prstGeom prst="rect">
+            <a:avLst/>
+          </a:prstGeom>
+        </p:spPr>
+        <p:txBody>
+          <a:bodyPr spcFirstLastPara="1" wrap="square" lIns="121900" tIns="121900" rIns="121900" bIns="121900" anchor="t" anchorCtr="0">
+            <a:noAutofit/>
+          </a:bodyPr>
+          <a:lstStyle/>
+          <a:p>
+            <a:pPr marL="0" indent="0">
+              <a:buSzPts val="2800"/>
+              <a:buNone/>
+            </a:pPr>
+            <a:endParaRPr lang="en-US" sz="2000" dirty="0"/>
+          </a:p>
+          <a:p>
+            <a:pPr marL="342900" indent="-342900">
+              <a:buSzPts val="2800"/>
+              <a:buFontTx/>
+              <a:buChar char="-"/>
+            </a:pPr>
+            <a:r>
+              <a:rPr lang="en-US" sz="2000" dirty="0">
+                <a:hlinkClick r:id="rId3"/>
+              </a:rPr>
+              <a:t>https://apps.bea.gov/iTable/iTable.cfm?reqid=70</a:t>
+            </a:r>
+            <a:r>
+              <a:rPr lang="en-US" sz="2000" dirty="0"/>
+              <a:t> </a:t>
+            </a:r>
+          </a:p>
+          <a:p>
+            <a:pPr marL="342900" indent="-342900">
+              <a:buSzPts val="2800"/>
+              <a:buFontTx/>
+              <a:buChar char="-"/>
+            </a:pPr>
+            <a:r>
+              <a:rPr lang="en-US" sz="2000" dirty="0">
+                <a:hlinkClick r:id="rId4"/>
+              </a:rPr>
+              <a:t>https://ncses.nsf.gov/indicators/states/indicator/bachelors-degree-holders-per-25-44-year-olds</a:t>
+            </a:r>
+            <a:r>
+              <a:rPr lang="en-US" sz="2000" dirty="0"/>
+              <a:t> </a:t>
+            </a:r>
+          </a:p>
+          <a:p>
+            <a:pPr marL="0" indent="0">
+              <a:buSzPts val="2800"/>
+              <a:buNone/>
+            </a:pPr>
+            <a:endParaRPr lang="en" sz="2000" dirty="0"/>
+          </a:p>
+          <a:p>
+            <a:pPr indent="-541853">
+              <a:buSzPts val="2800"/>
+              <a:buChar char="❖"/>
+            </a:pPr>
+            <a:r>
+              <a:rPr lang="en" sz="2800" dirty="0"/>
+              <a:t>Pandas </a:t>
+            </a:r>
+            <a:endParaRPr sz="2800" dirty="0"/>
+          </a:p>
+          <a:p>
+            <a:pPr indent="-541853">
+              <a:buSzPts val="2800"/>
+              <a:buChar char="❖"/>
+            </a:pPr>
+            <a:r>
+              <a:rPr lang="en" sz="2800" dirty="0"/>
+              <a:t>Matplotlib</a:t>
+            </a:r>
+            <a:endParaRPr sz="2800" dirty="0"/>
+          </a:p>
+          <a:p>
+            <a:pPr indent="-541853">
+              <a:buSzPts val="2800"/>
+              <a:buChar char="❖"/>
+            </a:pPr>
+            <a:r>
+              <a:rPr lang="en" sz="2800" dirty="0"/>
+              <a:t>Tableau</a:t>
+            </a:r>
+            <a:endParaRPr sz="2800" dirty="0"/>
+          </a:p>
+          <a:p>
+            <a:pPr indent="-541853">
+              <a:buSzPts val="2800"/>
+              <a:buChar char="❖"/>
+            </a:pPr>
+            <a:r>
+              <a:rPr lang="en" sz="2800" dirty="0"/>
+              <a:t>Scikit-Learn </a:t>
+            </a:r>
+            <a:endParaRPr sz="2800" dirty="0"/>
+          </a:p>
+          <a:p>
+            <a:pPr indent="-541853">
+              <a:buSzPts val="2800"/>
+              <a:buChar char="❖"/>
+            </a:pPr>
+            <a:r>
+              <a:rPr lang="en" sz="2800" dirty="0"/>
+              <a:t>HTML</a:t>
+            </a:r>
+            <a:endParaRPr sz="2800" dirty="0"/>
+          </a:p>
+          <a:p>
+            <a:pPr indent="-541853">
+              <a:buSzPts val="2800"/>
+              <a:buChar char="❖"/>
+            </a:pPr>
+            <a:r>
+              <a:rPr lang="en" sz="2800" dirty="0"/>
+              <a:t>CSS</a:t>
+            </a:r>
+            <a:endParaRPr sz="2800" dirty="0"/>
+          </a:p>
+          <a:p>
+            <a:pPr indent="-541853">
+              <a:buSzPts val="2800"/>
+              <a:buChar char="❖"/>
+            </a:pPr>
+            <a:r>
+              <a:rPr lang="en" sz="2800" dirty="0"/>
+              <a:t>Bootstrap</a:t>
+            </a:r>
+            <a:endParaRPr sz="2800" dirty="0"/>
+          </a:p>
+        </p:txBody>
+      </p:sp>
+    </p:spTree>
+  </p:cSld>
+  <p:clrMapOvr>
+    <a:masterClrMapping/>
+  </p:clrMapOvr>
+</p:sld>
+</file>
+
+<file path=ppt/slides/slide4.xml><?xml version="1.0" encoding="utf-8"?>
+<p:sld xmlns:a="http://schemas.openxmlformats.org/drawingml/2006/main" xmlns:r="http://schemas.openxmlformats.org/officeDocument/2006/relationships" xmlns:p="http://schemas.openxmlformats.org/presentationml/2006/main">
+  <p:cSld>
+    <p:spTree>
+      <p:nvGrpSpPr>
+        <p:cNvPr id="1" name="Shape 157"/>
+        <p:cNvGrpSpPr/>
+        <p:nvPr/>
+      </p:nvGrpSpPr>
+      <p:grpSpPr>
+        <a:xfrm>
+          <a:off x="0" y="0"/>
+          <a:ext cx="0" cy="0"/>
+          <a:chOff x="0" y="0"/>
+          <a:chExt cx="0" cy="0"/>
+        </a:xfrm>
+      </p:grpSpPr>
+      <p:sp>
+        <p:nvSpPr>
+          <p:cNvPr id="158" name="Google Shape;158;p18"/>
+          <p:cNvSpPr txBox="1">
+            <a:spLocks noGrp="1"/>
+          </p:cNvSpPr>
+          <p:nvPr>
+            <p:ph type="title" idx="4294967295"/>
+          </p:nvPr>
+        </p:nvSpPr>
+        <p:spPr>
+          <a:xfrm>
+            <a:off x="0" y="344488"/>
+            <a:ext cx="10007600" cy="889000"/>
+          </a:xfrm>
+          <a:prstGeom prst="rect">
+            <a:avLst/>
+          </a:prstGeom>
+        </p:spPr>
+        <p:txBody>
+          <a:bodyPr spcFirstLastPara="1" wrap="square" lIns="121900" tIns="121900" rIns="121900" bIns="121900" anchor="t" anchorCtr="0">
+            <a:noAutofit/>
+          </a:bodyPr>
+          <a:lstStyle/>
+          <a:p>
+            <a:r>
+              <a:rPr lang="en" b="1" dirty="0"/>
+              <a:t>Cleanup</a:t>
+            </a:r>
+            <a:endParaRPr b="1" dirty="0"/>
+          </a:p>
+        </p:txBody>
+      </p:sp>
+      <p:sp>
+        <p:nvSpPr>
+          <p:cNvPr id="159" name="Google Shape;159;p18"/>
+          <p:cNvSpPr txBox="1">
+            <a:spLocks noGrp="1"/>
+          </p:cNvSpPr>
+          <p:nvPr>
+            <p:ph type="body" idx="4294967295"/>
+          </p:nvPr>
+        </p:nvSpPr>
+        <p:spPr>
+          <a:xfrm>
+            <a:off x="817563" y="1074738"/>
+            <a:ext cx="11374437" cy="5422900"/>
+          </a:xfrm>
+          <a:prstGeom prst="rect">
+            <a:avLst/>
+          </a:prstGeom>
+        </p:spPr>
+        <p:txBody>
+          <a:bodyPr spcFirstLastPara="1" wrap="square" lIns="121900" tIns="121900" rIns="121900" bIns="121900" anchor="t" anchorCtr="0">
+            <a:noAutofit/>
+          </a:bodyPr>
+          <a:lstStyle/>
+          <a:p>
+            <a:pPr indent="-457189">
+              <a:buClr>
+                <a:srgbClr val="424242"/>
+              </a:buClr>
+              <a:buSzPts val="1800"/>
+              <a:buFont typeface="Nunito"/>
+              <a:buChar char="❖"/>
+            </a:pPr>
+            <a:r>
+              <a:rPr lang="en" sz="2400" dirty="0">
+                <a:solidFill>
+                  <a:srgbClr val="424242"/>
+                </a:solidFill>
+                <a:latin typeface="Nunito"/>
+                <a:ea typeface="Nunito"/>
+                <a:cs typeface="Nunito"/>
+                <a:sym typeface="Nunito"/>
+              </a:rPr>
+              <a:t>Extract raw data csv files and import to jupyter notebook using pandas to transform the data. </a:t>
+            </a:r>
+            <a:endParaRPr sz="2400" dirty="0">
+              <a:solidFill>
+                <a:srgbClr val="424242"/>
+              </a:solidFill>
+              <a:latin typeface="Nunito"/>
+              <a:ea typeface="Nunito"/>
+              <a:cs typeface="Nunito"/>
+              <a:sym typeface="Nunito"/>
+            </a:endParaRPr>
+          </a:p>
+          <a:p>
+            <a:pPr indent="-457189">
+              <a:buClr>
+                <a:srgbClr val="424242"/>
+              </a:buClr>
+              <a:buSzPts val="1800"/>
+              <a:buFont typeface="Nunito"/>
+              <a:buChar char="❖"/>
+            </a:pPr>
+            <a:r>
+              <a:rPr lang="en" sz="2400" dirty="0">
+                <a:solidFill>
+                  <a:srgbClr val="424242"/>
+                </a:solidFill>
+                <a:latin typeface="Nunito"/>
+                <a:ea typeface="Nunito"/>
+                <a:cs typeface="Nunito"/>
+                <a:sym typeface="Nunito"/>
+              </a:rPr>
+              <a:t>Selected 3 columns from each of the 2 datasets to use in our final dataset for this project. </a:t>
+            </a:r>
+            <a:endParaRPr sz="2400" dirty="0">
+              <a:solidFill>
+                <a:srgbClr val="424242"/>
+              </a:solidFill>
+              <a:latin typeface="Nunito"/>
+              <a:ea typeface="Nunito"/>
+              <a:cs typeface="Nunito"/>
+              <a:sym typeface="Nunito"/>
+            </a:endParaRPr>
+          </a:p>
+          <a:p>
+            <a:pPr marL="0" indent="0">
+              <a:spcBef>
+                <a:spcPts val="2133"/>
+              </a:spcBef>
+              <a:buNone/>
+            </a:pPr>
+            <a:endParaRPr sz="2133" dirty="0">
+              <a:solidFill>
+                <a:srgbClr val="424242"/>
+              </a:solidFill>
+              <a:latin typeface="Nunito"/>
+              <a:ea typeface="Nunito"/>
+              <a:cs typeface="Nunito"/>
+              <a:sym typeface="Nunito"/>
+            </a:endParaRPr>
+          </a:p>
+          <a:p>
+            <a:pPr marL="0" indent="0">
+              <a:spcBef>
+                <a:spcPts val="2133"/>
+              </a:spcBef>
+              <a:spcAft>
+                <a:spcPts val="2133"/>
+              </a:spcAft>
+              <a:buNone/>
+            </a:pPr>
+            <a:endParaRPr sz="2133" dirty="0">
+              <a:solidFill>
+                <a:srgbClr val="424242"/>
+              </a:solidFill>
+              <a:latin typeface="Nunito"/>
+              <a:ea typeface="Nunito"/>
+              <a:cs typeface="Nunito"/>
+              <a:sym typeface="Nunito"/>
+            </a:endParaRPr>
+          </a:p>
+        </p:txBody>
+      </p:sp>
+      <p:pic>
+        <p:nvPicPr>
+          <p:cNvPr id="4" name="Picture 3" descr="Graphical user interface, text, application, email&#10;&#10;Description automatically generated">
+            <a:extLst>
+              <a:ext uri="{FF2B5EF4-FFF2-40B4-BE49-F238E27FC236}">
+                <a16:creationId xmlns:a16="http://schemas.microsoft.com/office/drawing/2014/main" id="{F57FCD1B-BF75-2133-189F-447F61ED29C0}"/>
+              </a:ext>
+            </a:extLst>
+          </p:cNvPr>
+          <p:cNvPicPr>
+            <a:picLocks noChangeAspect="1"/>
+          </p:cNvPicPr>
+          <p:nvPr/>
+        </p:nvPicPr>
+        <p:blipFill>
+          <a:blip r:embed="rId3">
+            <a:extLst>
+              <a:ext uri="{28A0092B-C50C-407E-A947-70E740481C1C}">
+                <a14:useLocalDpi xmlns:a14="http://schemas.microsoft.com/office/drawing/2010/main" val="0"/>
+              </a:ext>
+            </a:extLst>
+          </a:blip>
+          <a:stretch>
+            <a:fillRect/>
+          </a:stretch>
+        </p:blipFill>
+        <p:spPr>
+          <a:xfrm>
+            <a:off x="3169920" y="2783840"/>
+            <a:ext cx="6837680" cy="3474719"/>
+          </a:xfrm>
+          <a:prstGeom prst="rect">
+            <a:avLst/>
+          </a:prstGeom>
+        </p:spPr>
+      </p:pic>
+    </p:spTree>
+  </p:cSld>
+  <p:clrMapOvr>
+    <a:masterClrMapping/>
+  </p:clrMapOvr>
+</p:sld>
+</file>
+
+<file path=ppt/slides/slide5.xml><?xml version="1.0" encoding="utf-8"?>
+<p:sld xmlns:a="http://schemas.openxmlformats.org/drawingml/2006/main" xmlns:r="http://schemas.openxmlformats.org/officeDocument/2006/relationships" xmlns:p="http://schemas.openxmlformats.org/presentationml/2006/main">
+  <p:cSld>
+    <p:spTree>
+      <p:nvGrpSpPr>
+        <p:cNvPr id="1" name="Shape 164"/>
+        <p:cNvGrpSpPr/>
+        <p:nvPr/>
+      </p:nvGrpSpPr>
+      <p:grpSpPr>
+        <a:xfrm>
+          <a:off x="0" y="0"/>
+          <a:ext cx="0" cy="0"/>
+          <a:chOff x="0" y="0"/>
+          <a:chExt cx="0" cy="0"/>
+        </a:xfrm>
+      </p:grpSpPr>
+      <p:sp>
+        <p:nvSpPr>
+          <p:cNvPr id="165" name="Google Shape;165;p19"/>
+          <p:cNvSpPr txBox="1">
+            <a:spLocks noGrp="1"/>
+          </p:cNvSpPr>
+          <p:nvPr>
+            <p:ph type="title" idx="4294967295"/>
+          </p:nvPr>
+        </p:nvSpPr>
+        <p:spPr>
+          <a:xfrm>
+            <a:off x="0" y="376238"/>
+            <a:ext cx="10007600" cy="842962"/>
+          </a:xfrm>
+          <a:prstGeom prst="rect">
+            <a:avLst/>
+          </a:prstGeom>
+        </p:spPr>
+        <p:txBody>
+          <a:bodyPr spcFirstLastPara="1" wrap="square" lIns="121900" tIns="121900" rIns="121900" bIns="121900" anchor="t" anchorCtr="0">
+            <a:noAutofit/>
+          </a:bodyPr>
+          <a:lstStyle/>
+          <a:p>
+            <a:r>
+              <a:rPr lang="en" b="1" dirty="0"/>
+              <a:t>Cleanup</a:t>
+            </a:r>
+            <a:endParaRPr dirty="0"/>
+          </a:p>
+        </p:txBody>
+      </p:sp>
+      <p:sp>
+        <p:nvSpPr>
+          <p:cNvPr id="166" name="Google Shape;166;p19"/>
+          <p:cNvSpPr txBox="1">
+            <a:spLocks noGrp="1"/>
+          </p:cNvSpPr>
+          <p:nvPr>
+            <p:ph type="body" idx="4294967295"/>
+          </p:nvPr>
+        </p:nvSpPr>
+        <p:spPr>
+          <a:xfrm>
+            <a:off x="836613" y="1331913"/>
+            <a:ext cx="11233467" cy="4845367"/>
+          </a:xfrm>
+          <a:prstGeom prst="rect">
+            <a:avLst/>
+          </a:prstGeom>
+        </p:spPr>
+        <p:txBody>
+          <a:bodyPr spcFirstLastPara="1" wrap="square" lIns="121900" tIns="121900" rIns="121900" bIns="121900" anchor="t" anchorCtr="0">
+            <a:noAutofit/>
+          </a:bodyPr>
+          <a:lstStyle/>
+          <a:p>
+            <a:pPr indent="-457189">
+              <a:buClr>
+                <a:srgbClr val="424242"/>
+              </a:buClr>
+              <a:buSzPts val="1800"/>
+              <a:buFont typeface="Nunito"/>
+              <a:buChar char="❖"/>
+            </a:pPr>
+            <a:r>
+              <a:rPr lang="en" sz="2400" dirty="0">
+                <a:solidFill>
+                  <a:srgbClr val="424242"/>
+                </a:solidFill>
+                <a:latin typeface="Nunito"/>
+                <a:ea typeface="Nunito"/>
+                <a:cs typeface="Nunito"/>
+                <a:sym typeface="Nunito"/>
+              </a:rPr>
+              <a:t>Once the datasets were transformed, we merged all datasets, and exported a merged_results csv file to use it for our analysis and predictions.</a:t>
+            </a:r>
+            <a:endParaRPr sz="2400" dirty="0">
+              <a:solidFill>
+                <a:srgbClr val="424242"/>
+              </a:solidFill>
+              <a:latin typeface="Nunito"/>
+              <a:ea typeface="Nunito"/>
+              <a:cs typeface="Nunito"/>
+              <a:sym typeface="Nunito"/>
+            </a:endParaRPr>
+          </a:p>
+          <a:p>
+            <a:pPr marL="0" indent="0">
+              <a:spcBef>
+                <a:spcPts val="2133"/>
+              </a:spcBef>
+              <a:buNone/>
+            </a:pPr>
+            <a:endParaRPr sz="2133" dirty="0">
+              <a:solidFill>
+                <a:srgbClr val="424242"/>
+              </a:solidFill>
+              <a:latin typeface="Nunito"/>
+              <a:ea typeface="Nunito"/>
+              <a:cs typeface="Nunito"/>
+              <a:sym typeface="Nunito"/>
+            </a:endParaRPr>
+          </a:p>
+          <a:p>
+            <a:pPr marL="0" indent="0">
+              <a:spcBef>
+                <a:spcPts val="2133"/>
+              </a:spcBef>
+              <a:spcAft>
+                <a:spcPts val="2133"/>
+              </a:spcAft>
+              <a:buNone/>
+            </a:pPr>
+            <a:endParaRPr sz="2133" dirty="0">
+              <a:solidFill>
+                <a:srgbClr val="424242"/>
+              </a:solidFill>
+              <a:latin typeface="Nunito"/>
+              <a:ea typeface="Nunito"/>
+              <a:cs typeface="Nunito"/>
+              <a:sym typeface="Nunito"/>
+            </a:endParaRPr>
+          </a:p>
+        </p:txBody>
+      </p:sp>
+      <p:pic>
+        <p:nvPicPr>
+          <p:cNvPr id="3" name="Picture 2" descr="Table&#10;&#10;Description automatically generated">
+            <a:extLst>
+              <a:ext uri="{FF2B5EF4-FFF2-40B4-BE49-F238E27FC236}">
+                <a16:creationId xmlns:a16="http://schemas.microsoft.com/office/drawing/2014/main" id="{89A08CF0-8B7C-E3EC-1E79-F713DD5E9D1B}"/>
+              </a:ext>
+            </a:extLst>
+          </p:cNvPr>
+          <p:cNvPicPr>
+            <a:picLocks noChangeAspect="1"/>
+          </p:cNvPicPr>
+          <p:nvPr/>
+        </p:nvPicPr>
+        <p:blipFill>
+          <a:blip r:embed="rId3">
+            <a:extLst>
+              <a:ext uri="{28A0092B-C50C-407E-A947-70E740481C1C}">
+                <a14:useLocalDpi xmlns:a14="http://schemas.microsoft.com/office/drawing/2010/main" val="0"/>
+              </a:ext>
+            </a:extLst>
+          </a:blip>
+          <a:stretch>
+            <a:fillRect/>
+          </a:stretch>
+        </p:blipFill>
+        <p:spPr>
+          <a:xfrm>
+            <a:off x="1554480" y="2550160"/>
+            <a:ext cx="9245600" cy="3484880"/>
+          </a:xfrm>
+          <a:prstGeom prst="rect">
+            <a:avLst/>
+          </a:prstGeom>
+        </p:spPr>
+      </p:pic>
+    </p:spTree>
+    <p:extLst>
+      <p:ext uri="{BB962C8B-B14F-4D97-AF65-F5344CB8AC3E}">
+        <p14:creationId xmlns:p14="http://schemas.microsoft.com/office/powerpoint/2010/main" val="2051874500"/>
+      </p:ext>
+    </p:extLst>
+  </p:cSld>
+  <p:clrMapOvr>
+    <a:masterClrMapping/>
+  </p:clrMapOvr>
+</p:sld>
+</file>
+
+<file path=ppt/slides/slide6.xml><?xml version="1.0" encoding="utf-8"?>
+<p:sld xmlns:a="http://schemas.openxmlformats.org/drawingml/2006/main" xmlns:r="http://schemas.openxmlformats.org/officeDocument/2006/relationships" xmlns:p="http://schemas.openxmlformats.org/presentationml/2006/main">
+  <p:cSld>
+    <p:spTree>
+      <p:nvGrpSpPr>
+        <p:cNvPr id="1" name="Shape 186"/>
+        <p:cNvGrpSpPr/>
+        <p:nvPr/>
+      </p:nvGrpSpPr>
+      <p:grpSpPr>
+        <a:xfrm>
+          <a:off x="0" y="0"/>
+          <a:ext cx="0" cy="0"/>
+          <a:chOff x="0" y="0"/>
+          <a:chExt cx="0" cy="0"/>
+        </a:xfrm>
+      </p:grpSpPr>
+      <p:sp>
+        <p:nvSpPr>
+          <p:cNvPr id="187" name="Google Shape;187;p22"/>
+          <p:cNvSpPr txBox="1">
+            <a:spLocks noGrp="1"/>
+          </p:cNvSpPr>
+          <p:nvPr>
+            <p:ph type="title" idx="4294967295"/>
+          </p:nvPr>
+        </p:nvSpPr>
+        <p:spPr>
+          <a:xfrm>
+            <a:off x="0" y="287338"/>
+            <a:ext cx="10007600" cy="890587"/>
+          </a:xfrm>
+          <a:prstGeom prst="rect">
+            <a:avLst/>
+          </a:prstGeom>
+        </p:spPr>
+        <p:txBody>
+          <a:bodyPr spcFirstLastPara="1" wrap="square" lIns="121900" tIns="121900" rIns="121900" bIns="121900" anchor="t" anchorCtr="0">
+            <a:noAutofit/>
+          </a:bodyPr>
+          <a:lstStyle/>
+          <a:p>
+            <a:r>
+              <a:rPr lang="en" b="1"/>
+              <a:t>Tableau Data</a:t>
+            </a:r>
+            <a:endParaRPr b="1"/>
+          </a:p>
+        </p:txBody>
+      </p:sp>
+      <p:sp>
+        <p:nvSpPr>
+          <p:cNvPr id="188" name="Google Shape;188;p22"/>
+          <p:cNvSpPr txBox="1">
+            <a:spLocks noGrp="1"/>
+          </p:cNvSpPr>
+          <p:nvPr>
+            <p:ph type="body" idx="4294967295"/>
+          </p:nvPr>
+        </p:nvSpPr>
+        <p:spPr>
+          <a:xfrm>
+            <a:off x="808038" y="1022350"/>
+            <a:ext cx="11383962" cy="976313"/>
+          </a:xfrm>
+          <a:prstGeom prst="rect">
+            <a:avLst/>
+          </a:prstGeom>
+        </p:spPr>
+        <p:txBody>
+          <a:bodyPr spcFirstLastPara="1" wrap="square" lIns="121900" tIns="121900" rIns="121900" bIns="121900" anchor="t" anchorCtr="0">
+            <a:noAutofit/>
+          </a:bodyPr>
+          <a:lstStyle/>
+          <a:p>
+            <a:pPr indent="-448722">
+              <a:buSzPts val="1700"/>
+              <a:buFont typeface="Nunito"/>
+              <a:buChar char="❖"/>
+            </a:pPr>
+            <a:r>
+              <a:rPr lang="en" sz="2267" dirty="0">
+                <a:latin typeface="Nunito"/>
+                <a:ea typeface="Nunito"/>
+                <a:cs typeface="Nunito"/>
+                <a:sym typeface="Nunito"/>
+              </a:rPr>
+              <a:t>Used cleanup data ‘merge_bi.csv’ to create Tableau Visualization with a drop down filter by state and year.</a:t>
+            </a:r>
+          </a:p>
+          <a:p>
+            <a:pPr indent="-448722">
+              <a:buSzPts val="1700"/>
+              <a:buFont typeface="Nunito"/>
+              <a:buChar char="❖"/>
+            </a:pPr>
+            <a:endParaRPr lang="en" sz="2267" dirty="0">
+              <a:latin typeface="Nunito"/>
+              <a:ea typeface="Nunito"/>
+              <a:cs typeface="Nunito"/>
+              <a:sym typeface="Nunito"/>
+            </a:endParaRPr>
+          </a:p>
+          <a:p>
+            <a:pPr marL="8478" indent="0">
+              <a:buSzPts val="1700"/>
+              <a:buNone/>
+            </a:pPr>
+            <a:r>
+              <a:rPr lang="en" sz="2267" dirty="0">
+                <a:solidFill>
+                  <a:schemeClr val="accent2"/>
+                </a:solidFill>
+                <a:latin typeface="Nunito"/>
+                <a:ea typeface="Nunito"/>
+                <a:cs typeface="Nunito"/>
+                <a:sym typeface="Nunito"/>
+              </a:rPr>
+              <a:t>(add your png here)</a:t>
+            </a:r>
+            <a:endParaRPr sz="2267" dirty="0">
+              <a:solidFill>
+                <a:schemeClr val="accent2"/>
+              </a:solidFill>
+              <a:latin typeface="Nunito"/>
+              <a:ea typeface="Nunito"/>
+              <a:cs typeface="Nunito"/>
+              <a:sym typeface="Nunito"/>
+            </a:endParaRPr>
+          </a:p>
+          <a:p>
+            <a:pPr marL="0" indent="0">
+              <a:spcBef>
+                <a:spcPts val="2133"/>
+              </a:spcBef>
+              <a:spcAft>
+                <a:spcPts val="2133"/>
+              </a:spcAft>
+              <a:buNone/>
+            </a:pPr>
+            <a:endParaRPr sz="2133" dirty="0">
+              <a:latin typeface="Nunito"/>
+              <a:ea typeface="Nunito"/>
+              <a:cs typeface="Nunito"/>
+              <a:sym typeface="Nunito"/>
+            </a:endParaRPr>
+          </a:p>
+        </p:txBody>
+      </p:sp>
+      <p:pic>
+        <p:nvPicPr>
+          <p:cNvPr id="3" name="Picture 2" descr="A screenshot of a computer&#10;&#10;Description automatically generated with low confidence">
+            <a:extLst>
+              <a:ext uri="{FF2B5EF4-FFF2-40B4-BE49-F238E27FC236}">
+                <a16:creationId xmlns:a16="http://schemas.microsoft.com/office/drawing/2014/main" id="{666FF72E-6224-076E-89FD-4AAC23B7705E}"/>
+              </a:ext>
+            </a:extLst>
+          </p:cNvPr>
+          <p:cNvPicPr>
+            <a:picLocks noChangeAspect="1"/>
+          </p:cNvPicPr>
+          <p:nvPr/>
+        </p:nvPicPr>
+        <p:blipFill>
+          <a:blip r:embed="rId3">
+            <a:extLst>
+              <a:ext uri="{28A0092B-C50C-407E-A947-70E740481C1C}">
+                <a14:useLocalDpi xmlns:a14="http://schemas.microsoft.com/office/drawing/2010/main" val="0"/>
+              </a:ext>
+            </a:extLst>
+          </a:blip>
+          <a:stretch>
+            <a:fillRect/>
+          </a:stretch>
+        </p:blipFill>
+        <p:spPr>
+          <a:xfrm>
+            <a:off x="526211" y="2151504"/>
+            <a:ext cx="4186346" cy="4206164"/>
+          </a:xfrm>
+          <a:prstGeom prst="rect">
+            <a:avLst/>
+          </a:prstGeom>
+        </p:spPr>
+      </p:pic>
+    </p:spTree>
+  </p:cSld>
+  <p:clrMapOvr>
+    <a:masterClrMapping/>
+  </p:clrMapOvr>
+</p:sld>
+</file>
+
+<file path=ppt/slides/slide7.xml><?xml version="1.0" encoding="utf-8"?>
+<p:sld xmlns:a="http://schemas.openxmlformats.org/drawingml/2006/main" xmlns:r="http://schemas.openxmlformats.org/officeDocument/2006/relationships" xmlns:p="http://schemas.openxmlformats.org/presentationml/2006/main">
+  <p:cSld>
+    <p:spTree>
+      <p:nvGrpSpPr>
+        <p:cNvPr id="1" name="Shape 218"/>
+        <p:cNvGrpSpPr/>
+        <p:nvPr/>
+      </p:nvGrpSpPr>
+      <p:grpSpPr>
+        <a:xfrm>
+          <a:off x="0" y="0"/>
+          <a:ext cx="0" cy="0"/>
+          <a:chOff x="0" y="0"/>
+          <a:chExt cx="0" cy="0"/>
+        </a:xfrm>
+      </p:grpSpPr>
+      <p:sp>
+        <p:nvSpPr>
+          <p:cNvPr id="219" name="Google Shape;219;p27"/>
+          <p:cNvSpPr txBox="1">
+            <a:spLocks noGrp="1"/>
+          </p:cNvSpPr>
+          <p:nvPr>
+            <p:ph type="title" idx="4294967295"/>
+          </p:nvPr>
+        </p:nvSpPr>
+        <p:spPr>
+          <a:xfrm>
+            <a:off x="0" y="141288"/>
+            <a:ext cx="10007600" cy="833437"/>
+          </a:xfrm>
+          <a:prstGeom prst="rect">
+            <a:avLst/>
+          </a:prstGeom>
+        </p:spPr>
+        <p:txBody>
+          <a:bodyPr spcFirstLastPara="1" wrap="square" lIns="121900" tIns="121900" rIns="121900" bIns="121900" anchor="t" anchorCtr="0">
+            <a:noAutofit/>
+          </a:bodyPr>
+          <a:lstStyle/>
+          <a:p>
+            <a:r>
+              <a:rPr lang="en" b="1"/>
+              <a:t>Machine Learning</a:t>
+            </a:r>
+            <a:endParaRPr b="1"/>
+          </a:p>
+        </p:txBody>
+      </p:sp>
+      <p:sp>
+        <p:nvSpPr>
+          <p:cNvPr id="220" name="Google Shape;220;p27"/>
+          <p:cNvSpPr txBox="1">
+            <a:spLocks noGrp="1"/>
+          </p:cNvSpPr>
+          <p:nvPr>
+            <p:ph type="body" idx="4294967295"/>
+          </p:nvPr>
+        </p:nvSpPr>
+        <p:spPr>
+          <a:xfrm>
+            <a:off x="0" y="1778000"/>
+            <a:ext cx="11814175" cy="915912"/>
+          </a:xfrm>
+          <a:prstGeom prst="rect">
+            <a:avLst/>
+          </a:prstGeom>
+        </p:spPr>
+        <p:txBody>
+          <a:bodyPr spcFirstLastPara="1" wrap="square" lIns="121900" tIns="121900" rIns="121900" bIns="121900" anchor="t" anchorCtr="0">
+            <a:noAutofit/>
+          </a:bodyPr>
+          <a:lstStyle/>
+          <a:p>
+            <a:pPr indent="-457189">
+              <a:buClr>
+                <a:srgbClr val="000000"/>
+              </a:buClr>
+              <a:buSzPts val="1800"/>
+              <a:buChar char="❖"/>
+            </a:pPr>
+            <a:r>
+              <a:rPr lang="en" sz="2400" b="1" dirty="0">
+                <a:solidFill>
+                  <a:srgbClr val="000000"/>
+                </a:solidFill>
+              </a:rPr>
+              <a:t>Prove: </a:t>
+            </a:r>
+            <a:r>
+              <a:rPr lang="en" sz="2133" dirty="0">
+                <a:solidFill>
+                  <a:srgbClr val="000000"/>
+                </a:solidFill>
+              </a:rPr>
+              <a:t> Bachelors percentage and postsecondary degre percentage are strongly correlated to the per capita income by State </a:t>
+            </a:r>
+            <a:endParaRPr sz="2400" dirty="0">
+              <a:solidFill>
+                <a:srgbClr val="000000"/>
+              </a:solidFill>
+            </a:endParaRPr>
+          </a:p>
+          <a:p>
+            <a:pPr marL="0" indent="0">
+              <a:buNone/>
+            </a:pPr>
+            <a:endParaRPr sz="1867" dirty="0">
+              <a:solidFill>
+                <a:srgbClr val="000000"/>
+              </a:solidFill>
+              <a:latin typeface="Arial"/>
+              <a:ea typeface="Arial"/>
+              <a:cs typeface="Arial"/>
+              <a:sym typeface="Arial"/>
+            </a:endParaRPr>
+          </a:p>
+          <a:p>
+            <a:pPr marL="0" indent="0">
+              <a:spcAft>
+                <a:spcPts val="2133"/>
+              </a:spcAft>
+              <a:buNone/>
+            </a:pPr>
+            <a:endParaRPr sz="1867" dirty="0"/>
+          </a:p>
+        </p:txBody>
+      </p:sp>
+      <p:sp>
+        <p:nvSpPr>
+          <p:cNvPr id="224" name="Google Shape;224;p27"/>
+          <p:cNvSpPr txBox="1"/>
+          <p:nvPr/>
+        </p:nvSpPr>
+        <p:spPr>
+          <a:xfrm>
+            <a:off x="101600" y="914400"/>
+            <a:ext cx="11622800" cy="1006400"/>
+          </a:xfrm>
+          <a:prstGeom prst="rect">
+            <a:avLst/>
+          </a:prstGeom>
+          <a:noFill/>
+          <a:ln>
+            <a:noFill/>
+          </a:ln>
+        </p:spPr>
+        <p:txBody>
+          <a:bodyPr spcFirstLastPara="1" wrap="square" lIns="121900" tIns="121900" rIns="121900" bIns="121900" anchor="t" anchorCtr="0">
+            <a:noAutofit/>
+          </a:bodyPr>
+          <a:lstStyle/>
+          <a:p>
+            <a:pPr marL="609585" indent="-457189" defTabSz="1219170">
+              <a:lnSpc>
+                <a:spcPct val="115000"/>
+              </a:lnSpc>
+              <a:buClr>
+                <a:srgbClr val="000000"/>
+              </a:buClr>
+              <a:buSzPts val="1800"/>
+              <a:buFont typeface="Calibri"/>
+              <a:buChar char="❖"/>
+            </a:pPr>
+            <a:r>
+              <a:rPr lang="en" sz="2400" kern="0">
+                <a:solidFill>
+                  <a:srgbClr val="000000"/>
+                </a:solidFill>
+                <a:latin typeface="Calibri"/>
+                <a:ea typeface="Calibri"/>
+                <a:cs typeface="Calibri"/>
+                <a:sym typeface="Calibri"/>
+              </a:rPr>
+              <a:t>Cleanup of merged_results for Machine Learning purposes</a:t>
+            </a:r>
+            <a:endParaRPr sz="2400" kern="0">
+              <a:solidFill>
+                <a:srgbClr val="000000"/>
+              </a:solidFill>
+              <a:latin typeface="Calibri"/>
+              <a:ea typeface="Calibri"/>
+              <a:cs typeface="Calibri"/>
+              <a:sym typeface="Calibri"/>
+            </a:endParaRPr>
+          </a:p>
+          <a:p>
+            <a:pPr marL="1219170" lvl="1" indent="-457189" defTabSz="1219170">
+              <a:lnSpc>
+                <a:spcPct val="115000"/>
+              </a:lnSpc>
+              <a:buClr>
+                <a:srgbClr val="000000"/>
+              </a:buClr>
+              <a:buSzPts val="1800"/>
+              <a:buFont typeface="Calibri"/>
+              <a:buChar char="➢"/>
+            </a:pPr>
+            <a:r>
+              <a:rPr lang="en" sz="2400" kern="0">
+                <a:solidFill>
+                  <a:srgbClr val="000000"/>
+                </a:solidFill>
+                <a:latin typeface="Calibri"/>
+                <a:ea typeface="Calibri"/>
+                <a:cs typeface="Calibri"/>
+                <a:sym typeface="Calibri"/>
+              </a:rPr>
+              <a:t>Changed per capita income from $ to % </a:t>
+            </a:r>
+            <a:endParaRPr sz="2400" kern="0">
+              <a:solidFill>
+                <a:srgbClr val="000000"/>
+              </a:solidFill>
+              <a:latin typeface="Calibri"/>
+              <a:ea typeface="Calibri"/>
+              <a:cs typeface="Calibri"/>
+              <a:sym typeface="Calibri"/>
+            </a:endParaRPr>
+          </a:p>
+        </p:txBody>
+      </p:sp>
+      <p:pic>
+        <p:nvPicPr>
+          <p:cNvPr id="6" name="Picture 5" descr="Chart, scatter chart&#10;&#10;Description automatically generated">
+            <a:extLst>
+              <a:ext uri="{FF2B5EF4-FFF2-40B4-BE49-F238E27FC236}">
+                <a16:creationId xmlns:a16="http://schemas.microsoft.com/office/drawing/2014/main" id="{EE90EB5E-89F6-EEC7-EFE2-E38F105499FA}"/>
+              </a:ext>
+            </a:extLst>
+          </p:cNvPr>
+          <p:cNvPicPr>
+            <a:picLocks noChangeAspect="1"/>
+          </p:cNvPicPr>
+          <p:nvPr/>
+        </p:nvPicPr>
+        <p:blipFill>
+          <a:blip r:embed="rId3">
+            <a:extLst>
+              <a:ext uri="{28A0092B-C50C-407E-A947-70E740481C1C}">
+                <a14:useLocalDpi xmlns:a14="http://schemas.microsoft.com/office/drawing/2010/main" val="0"/>
+              </a:ext>
+            </a:extLst>
+          </a:blip>
+          <a:stretch>
+            <a:fillRect/>
+          </a:stretch>
+        </p:blipFill>
+        <p:spPr>
+          <a:xfrm>
+            <a:off x="1320611" y="2865120"/>
+            <a:ext cx="5445949" cy="3851592"/>
+          </a:xfrm>
+          <a:prstGeom prst="rect">
+            <a:avLst/>
+          </a:prstGeom>
+        </p:spPr>
+      </p:pic>
+      <p:pic>
+        <p:nvPicPr>
+          <p:cNvPr id="8" name="Picture 7" descr="A picture containing text&#10;&#10;Description automatically generated">
+            <a:extLst>
+              <a:ext uri="{FF2B5EF4-FFF2-40B4-BE49-F238E27FC236}">
+                <a16:creationId xmlns:a16="http://schemas.microsoft.com/office/drawing/2014/main" id="{C9D608CE-A487-1DB1-B57E-BB8A0FDA4227}"/>
+              </a:ext>
+            </a:extLst>
+          </p:cNvPr>
+          <p:cNvPicPr>
+            <a:picLocks noChangeAspect="1"/>
+          </p:cNvPicPr>
+          <p:nvPr/>
+        </p:nvPicPr>
+        <p:blipFill>
+          <a:blip r:embed="rId4">
+            <a:extLst>
+              <a:ext uri="{28A0092B-C50C-407E-A947-70E740481C1C}">
+                <a14:useLocalDpi xmlns:a14="http://schemas.microsoft.com/office/drawing/2010/main" val="0"/>
+              </a:ext>
+            </a:extLst>
+          </a:blip>
+          <a:stretch>
+            <a:fillRect/>
+          </a:stretch>
+        </p:blipFill>
+        <p:spPr>
+          <a:xfrm>
+            <a:off x="7457440" y="4582160"/>
+            <a:ext cx="3698239" cy="1397000"/>
+          </a:xfrm>
+          <a:prstGeom prst="rect">
+            <a:avLst/>
+          </a:prstGeom>
+        </p:spPr>
+      </p:pic>
+    </p:spTree>
+  </p:cSld>
+  <p:clrMapOvr>
+    <a:masterClrMapping/>
+  </p:clrMapOvr>
+</p:sld>
+</file>
+
+<file path=ppt/slides/slide8.xml><?xml version="1.0" encoding="utf-8"?>
+<p:sld xmlns:a="http://schemas.openxmlformats.org/drawingml/2006/main" xmlns:r="http://schemas.openxmlformats.org/officeDocument/2006/relationships" xmlns:p="http://schemas.openxmlformats.org/presentationml/2006/main">
+  <p:cSld>
+    <p:spTree>
+      <p:nvGrpSpPr>
         <p:cNvPr id="1" name="Shape 237"/>
         <p:cNvGrpSpPr/>
         <p:nvPr/>
@@ -23776,7 +25536,7 @@
 </p:sld>
 </file>
 
-<file path=ppt/slides/slide11.xml><?xml version="1.0" encoding="utf-8"?>
+<file path=ppt/slides/slide9.xml><?xml version="1.0" encoding="utf-8"?>
 <p:sld xmlns:a="http://schemas.openxmlformats.org/drawingml/2006/main" xmlns:r="http://schemas.openxmlformats.org/officeDocument/2006/relationships" xmlns:p="http://schemas.openxmlformats.org/presentationml/2006/main">
   <p:cSld>
     <p:spTree>
@@ -24001,1741 +25761,6 @@
           <a:xfrm>
             <a:off x="4958080" y="108470"/>
             <a:ext cx="6868160" cy="6332970"/>
-          </a:xfrm>
-          <a:prstGeom prst="rect">
-            <a:avLst/>
-          </a:prstGeom>
-        </p:spPr>
-      </p:pic>
-    </p:spTree>
-  </p:cSld>
-  <p:clrMapOvr>
-    <a:masterClrMapping/>
-  </p:clrMapOvr>
-</p:sld>
-</file>
-
-<file path=ppt/slides/slide12.xml><?xml version="1.0" encoding="utf-8"?>
-<p:sld xmlns:a="http://schemas.openxmlformats.org/drawingml/2006/main" xmlns:r="http://schemas.openxmlformats.org/officeDocument/2006/relationships" xmlns:p="http://schemas.openxmlformats.org/presentationml/2006/main">
-  <p:cSld>
-    <p:spTree>
-      <p:nvGrpSpPr>
-        <p:cNvPr id="1" name=""/>
-        <p:cNvGrpSpPr/>
-        <p:nvPr/>
-      </p:nvGrpSpPr>
-      <p:grpSpPr>
-        <a:xfrm>
-          <a:off x="0" y="0"/>
-          <a:ext cx="0" cy="0"/>
-          <a:chOff x="0" y="0"/>
-          <a:chExt cx="0" cy="0"/>
-        </a:xfrm>
-      </p:grpSpPr>
-      <p:sp>
-        <p:nvSpPr>
-          <p:cNvPr id="2" name="Title 1">
-            <a:extLst>
-              <a:ext uri="{FF2B5EF4-FFF2-40B4-BE49-F238E27FC236}">
-                <a16:creationId xmlns:a16="http://schemas.microsoft.com/office/drawing/2014/main" id="{F339A340-2300-425F-BB82-06D168E6CBAF}"/>
-              </a:ext>
-            </a:extLst>
-          </p:cNvPr>
-          <p:cNvSpPr>
-            <a:spLocks noGrp="1"/>
-          </p:cNvSpPr>
-          <p:nvPr>
-            <p:ph type="title" idx="4294967295"/>
-          </p:nvPr>
-        </p:nvSpPr>
-        <p:spPr>
-          <a:xfrm>
-            <a:off x="0" y="109538"/>
-            <a:ext cx="8534400" cy="1508125"/>
-          </a:xfrm>
-        </p:spPr>
-        <p:txBody>
-          <a:bodyPr/>
-          <a:lstStyle/>
-          <a:p>
-            <a:r>
-              <a:rPr lang="en-US" dirty="0"/>
-              <a:t>What we learned</a:t>
-            </a:r>
-          </a:p>
-        </p:txBody>
-      </p:sp>
-      <p:sp>
-        <p:nvSpPr>
-          <p:cNvPr id="3" name="Content Placeholder 2">
-            <a:extLst>
-              <a:ext uri="{FF2B5EF4-FFF2-40B4-BE49-F238E27FC236}">
-                <a16:creationId xmlns:a16="http://schemas.microsoft.com/office/drawing/2014/main" id="{234D25F6-9361-4D7F-A045-12C18353E452}"/>
-              </a:ext>
-            </a:extLst>
-          </p:cNvPr>
-          <p:cNvSpPr>
-            <a:spLocks noGrp="1"/>
-          </p:cNvSpPr>
-          <p:nvPr>
-            <p:ph idx="4294967295"/>
-          </p:nvPr>
-        </p:nvSpPr>
-        <p:spPr>
-          <a:xfrm>
-            <a:off x="0" y="2082800"/>
-            <a:ext cx="8534400" cy="3614738"/>
-          </a:xfrm>
-        </p:spPr>
-        <p:txBody>
-          <a:bodyPr/>
-          <a:lstStyle/>
-          <a:p>
-            <a:r>
-              <a:rPr lang="en-US" dirty="0">
-                <a:solidFill>
-                  <a:srgbClr val="FF0000"/>
-                </a:solidFill>
-              </a:rPr>
-              <a:t>(add text)</a:t>
-            </a:r>
-          </a:p>
-        </p:txBody>
-      </p:sp>
-    </p:spTree>
-    <p:extLst>
-      <p:ext uri="{BB962C8B-B14F-4D97-AF65-F5344CB8AC3E}">
-        <p14:creationId xmlns:p14="http://schemas.microsoft.com/office/powerpoint/2010/main" val="3606339361"/>
-      </p:ext>
-    </p:extLst>
-  </p:cSld>
-  <p:clrMapOvr>
-    <a:masterClrMapping/>
-  </p:clrMapOvr>
-</p:sld>
-</file>
-
-<file path=ppt/slides/slide13.xml><?xml version="1.0" encoding="utf-8"?>
-<p:sld xmlns:a="http://schemas.openxmlformats.org/drawingml/2006/main" xmlns:r="http://schemas.openxmlformats.org/officeDocument/2006/relationships" xmlns:p="http://schemas.openxmlformats.org/presentationml/2006/main">
-  <p:cSld>
-    <p:spTree>
-      <p:nvGrpSpPr>
-        <p:cNvPr id="1" name=""/>
-        <p:cNvGrpSpPr/>
-        <p:nvPr/>
-      </p:nvGrpSpPr>
-      <p:grpSpPr>
-        <a:xfrm>
-          <a:off x="0" y="0"/>
-          <a:ext cx="0" cy="0"/>
-          <a:chOff x="0" y="0"/>
-          <a:chExt cx="0" cy="0"/>
-        </a:xfrm>
-      </p:grpSpPr>
-      <p:sp>
-        <p:nvSpPr>
-          <p:cNvPr id="2" name="Title 1">
-            <a:extLst>
-              <a:ext uri="{FF2B5EF4-FFF2-40B4-BE49-F238E27FC236}">
-                <a16:creationId xmlns:a16="http://schemas.microsoft.com/office/drawing/2014/main" id="{D8D49DFA-66BE-4652-8EBF-EACCBFD662E7}"/>
-              </a:ext>
-            </a:extLst>
-          </p:cNvPr>
-          <p:cNvSpPr>
-            <a:spLocks noGrp="1"/>
-          </p:cNvSpPr>
-          <p:nvPr>
-            <p:ph type="title" idx="4294967295"/>
-          </p:nvPr>
-        </p:nvSpPr>
-        <p:spPr>
-          <a:xfrm>
-            <a:off x="0" y="895350"/>
-            <a:ext cx="8534400" cy="1506538"/>
-          </a:xfrm>
-        </p:spPr>
-        <p:txBody>
-          <a:bodyPr/>
-          <a:lstStyle/>
-          <a:p>
-            <a:r>
-              <a:rPr lang="en-US" dirty="0"/>
-              <a:t>Future</a:t>
-            </a:r>
-          </a:p>
-        </p:txBody>
-      </p:sp>
-      <p:sp>
-        <p:nvSpPr>
-          <p:cNvPr id="3" name="Content Placeholder 2">
-            <a:extLst>
-              <a:ext uri="{FF2B5EF4-FFF2-40B4-BE49-F238E27FC236}">
-                <a16:creationId xmlns:a16="http://schemas.microsoft.com/office/drawing/2014/main" id="{2198673E-7CC1-4548-B21E-78DA8EB7E866}"/>
-              </a:ext>
-            </a:extLst>
-          </p:cNvPr>
-          <p:cNvSpPr>
-            <a:spLocks noGrp="1"/>
-          </p:cNvSpPr>
-          <p:nvPr>
-            <p:ph idx="4294967295"/>
-          </p:nvPr>
-        </p:nvSpPr>
-        <p:spPr>
-          <a:xfrm>
-            <a:off x="0" y="2347913"/>
-            <a:ext cx="8534400" cy="3614737"/>
-          </a:xfrm>
-        </p:spPr>
-        <p:txBody>
-          <a:bodyPr/>
-          <a:lstStyle/>
-          <a:p>
-            <a:r>
-              <a:rPr lang="en-US" dirty="0">
-                <a:solidFill>
-                  <a:srgbClr val="FF0000"/>
-                </a:solidFill>
-              </a:rPr>
-              <a:t>What we would like to add with further development and time</a:t>
-            </a:r>
-          </a:p>
-        </p:txBody>
-      </p:sp>
-    </p:spTree>
-    <p:extLst>
-      <p:ext uri="{BB962C8B-B14F-4D97-AF65-F5344CB8AC3E}">
-        <p14:creationId xmlns:p14="http://schemas.microsoft.com/office/powerpoint/2010/main" val="1373066523"/>
-      </p:ext>
-    </p:extLst>
-  </p:cSld>
-  <p:clrMapOvr>
-    <a:masterClrMapping/>
-  </p:clrMapOvr>
-</p:sld>
-</file>
-
-<file path=ppt/slides/slide2.xml><?xml version="1.0" encoding="utf-8"?>
-<p:sld xmlns:a="http://schemas.openxmlformats.org/drawingml/2006/main" xmlns:r="http://schemas.openxmlformats.org/officeDocument/2006/relationships" xmlns:p="http://schemas.openxmlformats.org/presentationml/2006/main">
-  <p:cSld>
-    <p:spTree>
-      <p:nvGrpSpPr>
-        <p:cNvPr id="1" name="Shape 133"/>
-        <p:cNvGrpSpPr/>
-        <p:nvPr/>
-      </p:nvGrpSpPr>
-      <p:grpSpPr>
-        <a:xfrm>
-          <a:off x="0" y="0"/>
-          <a:ext cx="0" cy="0"/>
-          <a:chOff x="0" y="0"/>
-          <a:chExt cx="0" cy="0"/>
-        </a:xfrm>
-      </p:grpSpPr>
-      <p:sp>
-        <p:nvSpPr>
-          <p:cNvPr id="134" name="Google Shape;134;p14"/>
-          <p:cNvSpPr txBox="1">
-            <a:spLocks noGrp="1"/>
-          </p:cNvSpPr>
-          <p:nvPr>
-            <p:ph type="title" idx="4294967295"/>
-          </p:nvPr>
-        </p:nvSpPr>
-        <p:spPr>
-          <a:xfrm>
-            <a:off x="0" y="309563"/>
-            <a:ext cx="10007600" cy="862012"/>
-          </a:xfrm>
-          <a:prstGeom prst="rect">
-            <a:avLst/>
-          </a:prstGeom>
-        </p:spPr>
-        <p:txBody>
-          <a:bodyPr spcFirstLastPara="1" wrap="square" lIns="121900" tIns="121900" rIns="121900" bIns="121900" anchor="t" anchorCtr="0">
-            <a:noAutofit/>
-          </a:bodyPr>
-          <a:lstStyle/>
-          <a:p>
-            <a:r>
-              <a:rPr lang="en" b="1" dirty="0"/>
-              <a:t>Analysis Importance </a:t>
-            </a:r>
-            <a:endParaRPr b="1" dirty="0"/>
-          </a:p>
-        </p:txBody>
-      </p:sp>
-      <p:sp>
-        <p:nvSpPr>
-          <p:cNvPr id="135" name="Google Shape;135;p14"/>
-          <p:cNvSpPr txBox="1">
-            <a:spLocks noGrp="1"/>
-          </p:cNvSpPr>
-          <p:nvPr>
-            <p:ph type="body" idx="4294967295"/>
-          </p:nvPr>
-        </p:nvSpPr>
-        <p:spPr>
-          <a:xfrm>
-            <a:off x="731838" y="1138238"/>
-            <a:ext cx="11287442" cy="5475287"/>
-          </a:xfrm>
-          <a:prstGeom prst="rect">
-            <a:avLst/>
-          </a:prstGeom>
-        </p:spPr>
-        <p:txBody>
-          <a:bodyPr spcFirstLastPara="1" wrap="square" lIns="121900" tIns="121900" rIns="121900" bIns="121900" anchor="t" anchorCtr="0">
-            <a:noAutofit/>
-          </a:bodyPr>
-          <a:lstStyle/>
-          <a:p>
-            <a:pPr marL="11" indent="0">
-              <a:buClr>
-                <a:srgbClr val="424242"/>
-              </a:buClr>
-              <a:buSzPts val="1800"/>
-              <a:buNone/>
-            </a:pPr>
-            <a:r>
-              <a:rPr lang="en" sz="2000" b="1" dirty="0">
-                <a:solidFill>
-                  <a:srgbClr val="424242"/>
-                </a:solidFill>
-                <a:latin typeface="+mn-lt"/>
-                <a:ea typeface="Nunito"/>
-                <a:cs typeface="Nunito"/>
-                <a:sym typeface="Nunito"/>
-              </a:rPr>
-              <a:t>   Background: </a:t>
-            </a:r>
-            <a:endParaRPr sz="2000" b="1" dirty="0">
-              <a:solidFill>
-                <a:srgbClr val="424242"/>
-              </a:solidFill>
-              <a:latin typeface="+mn-lt"/>
-              <a:ea typeface="Nunito"/>
-              <a:cs typeface="Nunito"/>
-              <a:sym typeface="Nunito"/>
-            </a:endParaRPr>
-          </a:p>
-          <a:p>
-            <a:pPr lvl="1" indent="-457189">
-              <a:spcBef>
-                <a:spcPts val="0"/>
-              </a:spcBef>
-              <a:buClr>
-                <a:srgbClr val="424242"/>
-              </a:buClr>
-              <a:buSzPts val="1800"/>
-              <a:buFont typeface="Nunito"/>
-              <a:buChar char="○"/>
-            </a:pPr>
-            <a:r>
-              <a:rPr lang="en" sz="2000" b="0" i="0" dirty="0">
-                <a:solidFill>
-                  <a:srgbClr val="424242"/>
-                </a:solidFill>
-                <a:effectLst/>
-                <a:latin typeface="+mn-lt"/>
-                <a:sym typeface="Nunito"/>
-              </a:rPr>
-              <a:t>T</a:t>
-            </a:r>
-            <a:r>
-              <a:rPr lang="en-US" sz="2000" b="0" i="0" dirty="0">
-                <a:solidFill>
-                  <a:srgbClr val="212121"/>
-                </a:solidFill>
-                <a:effectLst/>
-                <a:latin typeface="+mn-lt"/>
-              </a:rPr>
-              <a:t>he relationship between income and </a:t>
-            </a:r>
-            <a:r>
-              <a:rPr lang="en-US" sz="2000" dirty="0">
-                <a:solidFill>
-                  <a:srgbClr val="212121"/>
-                </a:solidFill>
-                <a:latin typeface="+mn-lt"/>
-              </a:rPr>
-              <a:t>Education level</a:t>
-            </a:r>
-            <a:r>
-              <a:rPr lang="en-US" sz="2000" b="0" i="0" dirty="0">
-                <a:solidFill>
-                  <a:srgbClr val="212121"/>
-                </a:solidFill>
-                <a:effectLst/>
-                <a:latin typeface="+mn-lt"/>
-              </a:rPr>
-              <a:t> is well established but remains sometimes poorly understood</a:t>
-            </a:r>
-          </a:p>
-          <a:p>
-            <a:pPr lvl="1" indent="-457189">
-              <a:spcBef>
-                <a:spcPts val="0"/>
-              </a:spcBef>
-              <a:buClr>
-                <a:srgbClr val="424242"/>
-              </a:buClr>
-              <a:buSzPts val="1800"/>
-              <a:buFont typeface="Nunito"/>
-              <a:buChar char="○"/>
-            </a:pPr>
-            <a:endParaRPr lang="en-US" sz="2000" b="0" i="0" dirty="0">
-              <a:solidFill>
-                <a:srgbClr val="212121"/>
-              </a:solidFill>
-              <a:effectLst/>
-              <a:latin typeface="+mn-lt"/>
-            </a:endParaRPr>
-          </a:p>
-          <a:p>
-            <a:pPr marL="457211" lvl="1" indent="0">
-              <a:spcBef>
-                <a:spcPts val="0"/>
-              </a:spcBef>
-              <a:buClr>
-                <a:srgbClr val="424242"/>
-              </a:buClr>
-              <a:buSzPts val="1800"/>
-              <a:buNone/>
-            </a:pPr>
-            <a:r>
-              <a:rPr lang="en-US" sz="2000" b="1" dirty="0">
-                <a:solidFill>
-                  <a:srgbClr val="424242"/>
-                </a:solidFill>
-                <a:latin typeface="Nunito"/>
-                <a:ea typeface="Nunito"/>
-                <a:cs typeface="Nunito"/>
-                <a:sym typeface="Nunito"/>
-              </a:rPr>
-              <a:t>Goal:</a:t>
-            </a:r>
-            <a:r>
-              <a:rPr lang="en-US" sz="2000" dirty="0">
-                <a:solidFill>
-                  <a:srgbClr val="424242"/>
-                </a:solidFill>
-                <a:latin typeface="Nunito"/>
-                <a:ea typeface="Nunito"/>
-                <a:cs typeface="Nunito"/>
-                <a:sym typeface="Nunito"/>
-              </a:rPr>
-              <a:t>  </a:t>
-            </a:r>
-          </a:p>
-          <a:p>
-            <a:pPr marL="457211" lvl="1" indent="0">
-              <a:spcBef>
-                <a:spcPts val="0"/>
-              </a:spcBef>
-              <a:buClr>
-                <a:srgbClr val="424242"/>
-              </a:buClr>
-              <a:buSzPts val="1800"/>
-              <a:buNone/>
-            </a:pPr>
-            <a:r>
-              <a:rPr lang="en-US" sz="2000" dirty="0">
-                <a:solidFill>
-                  <a:srgbClr val="424242"/>
-                </a:solidFill>
-                <a:latin typeface="Nunito"/>
-                <a:ea typeface="Nunito"/>
-                <a:cs typeface="Nunito"/>
-                <a:sym typeface="Nunito"/>
-              </a:rPr>
-              <a:t>     Use Machine Learning and analyze the relationship between income per Capita on the number of  Bachelors percentage and postsecondary degree holding by State in the US</a:t>
-            </a:r>
-          </a:p>
-          <a:p>
-            <a:pPr marL="457211" lvl="1" indent="0">
-              <a:spcBef>
-                <a:spcPts val="0"/>
-              </a:spcBef>
-              <a:buClr>
-                <a:srgbClr val="424242"/>
-              </a:buClr>
-              <a:buSzPts val="1800"/>
-              <a:buNone/>
-            </a:pPr>
-            <a:endParaRPr lang="en-US" sz="2000" dirty="0">
-              <a:solidFill>
-                <a:srgbClr val="424242"/>
-              </a:solidFill>
-              <a:latin typeface="Nunito"/>
-              <a:ea typeface="Nunito"/>
-              <a:cs typeface="Nunito"/>
-              <a:sym typeface="Nunito"/>
-            </a:endParaRPr>
-          </a:p>
-          <a:p>
-            <a:pPr marL="457211" lvl="1" indent="0">
-              <a:spcBef>
-                <a:spcPts val="0"/>
-              </a:spcBef>
-              <a:buClr>
-                <a:srgbClr val="424242"/>
-              </a:buClr>
-              <a:buSzPts val="1800"/>
-              <a:buNone/>
-            </a:pPr>
-            <a:r>
-              <a:rPr lang="en-US" sz="2000" b="1" dirty="0">
-                <a:solidFill>
-                  <a:srgbClr val="424242"/>
-                </a:solidFill>
-                <a:latin typeface="Nunito"/>
-                <a:ea typeface="Nunito"/>
-                <a:cs typeface="Nunito"/>
-                <a:sym typeface="Nunito"/>
-              </a:rPr>
-              <a:t>Variables for Exploration: </a:t>
-            </a:r>
-          </a:p>
-          <a:p>
-            <a:pPr marL="457211" lvl="1" indent="0">
-              <a:spcBef>
-                <a:spcPts val="0"/>
-              </a:spcBef>
-              <a:buClr>
-                <a:srgbClr val="424242"/>
-              </a:buClr>
-              <a:buSzPts val="1800"/>
-              <a:buNone/>
-            </a:pPr>
-            <a:r>
-              <a:rPr lang="en-US" sz="2000" dirty="0">
-                <a:solidFill>
-                  <a:srgbClr val="424242"/>
-                </a:solidFill>
-                <a:latin typeface="Nunito"/>
-                <a:ea typeface="Nunito"/>
-                <a:cs typeface="Nunito"/>
-                <a:sym typeface="Nunito"/>
-              </a:rPr>
-              <a:t>Per Capita Income (by State), Bachelor's degree Percentage and post secondary percentage (by State)</a:t>
-            </a:r>
-          </a:p>
-          <a:p>
-            <a:pPr marL="457211" lvl="1" indent="0">
-              <a:spcBef>
-                <a:spcPts val="0"/>
-              </a:spcBef>
-              <a:buClr>
-                <a:srgbClr val="424242"/>
-              </a:buClr>
-              <a:buSzPts val="1800"/>
-              <a:buNone/>
-            </a:pPr>
-            <a:endParaRPr lang="en-US" sz="2000" dirty="0">
-              <a:solidFill>
-                <a:srgbClr val="424242"/>
-              </a:solidFill>
-              <a:latin typeface="Nunito"/>
-              <a:ea typeface="Nunito"/>
-              <a:cs typeface="Nunito"/>
-              <a:sym typeface="Nunito"/>
-            </a:endParaRPr>
-          </a:p>
-          <a:p>
-            <a:pPr marL="457211" lvl="1" indent="0">
-              <a:spcBef>
-                <a:spcPts val="0"/>
-              </a:spcBef>
-              <a:buClr>
-                <a:srgbClr val="424242"/>
-              </a:buClr>
-              <a:buSzPts val="1800"/>
-              <a:buNone/>
-            </a:pPr>
-            <a:r>
-              <a:rPr lang="en-US" sz="2000" b="1" dirty="0">
-                <a:solidFill>
-                  <a:srgbClr val="424242"/>
-                </a:solidFill>
-                <a:latin typeface="Nunito"/>
-                <a:ea typeface="Nunito"/>
-                <a:cs typeface="Nunito"/>
-                <a:sym typeface="Nunito"/>
-              </a:rPr>
-              <a:t>Period: </a:t>
-            </a:r>
-            <a:r>
-              <a:rPr lang="en-US" sz="2000" dirty="0">
-                <a:solidFill>
-                  <a:srgbClr val="424242"/>
-                </a:solidFill>
-                <a:latin typeface="Nunito"/>
-                <a:ea typeface="Nunito"/>
-                <a:cs typeface="Nunito"/>
-                <a:sym typeface="Nunito"/>
-              </a:rPr>
-              <a:t>2012-2017</a:t>
-            </a:r>
-          </a:p>
-          <a:p>
-            <a:pPr marL="457211" lvl="1" indent="0">
-              <a:spcBef>
-                <a:spcPts val="0"/>
-              </a:spcBef>
-              <a:buClr>
-                <a:srgbClr val="424242"/>
-              </a:buClr>
-              <a:buSzPts val="1800"/>
-              <a:buNone/>
-            </a:pPr>
-            <a:endParaRPr sz="2400" dirty="0">
-              <a:solidFill>
-                <a:srgbClr val="424242"/>
-              </a:solidFill>
-              <a:latin typeface="+mn-lt"/>
-              <a:ea typeface="Nunito"/>
-              <a:cs typeface="Nunito"/>
-              <a:sym typeface="Nunito"/>
-            </a:endParaRPr>
-          </a:p>
-        </p:txBody>
-      </p:sp>
-    </p:spTree>
-  </p:cSld>
-  <p:clrMapOvr>
-    <a:masterClrMapping/>
-  </p:clrMapOvr>
-</p:sld>
-</file>
-
-<file path=ppt/slides/slide3.xml><?xml version="1.0" encoding="utf-8"?>
-<p:sld xmlns:a="http://schemas.openxmlformats.org/drawingml/2006/main" xmlns:r="http://schemas.openxmlformats.org/officeDocument/2006/relationships" xmlns:p="http://schemas.openxmlformats.org/presentationml/2006/main">
-  <p:cSld>
-    <p:spTree>
-      <p:nvGrpSpPr>
-        <p:cNvPr id="1" name="Shape 151"/>
-        <p:cNvGrpSpPr/>
-        <p:nvPr/>
-      </p:nvGrpSpPr>
-      <p:grpSpPr>
-        <a:xfrm>
-          <a:off x="0" y="0"/>
-          <a:ext cx="0" cy="0"/>
-          <a:chOff x="0" y="0"/>
-          <a:chExt cx="0" cy="0"/>
-        </a:xfrm>
-      </p:grpSpPr>
-      <p:sp>
-        <p:nvSpPr>
-          <p:cNvPr id="152" name="Google Shape;152;p17"/>
-          <p:cNvSpPr txBox="1">
-            <a:spLocks noGrp="1"/>
-          </p:cNvSpPr>
-          <p:nvPr>
-            <p:ph type="title" idx="4294967295"/>
-          </p:nvPr>
-        </p:nvSpPr>
-        <p:spPr>
-          <a:xfrm>
-            <a:off x="0" y="269875"/>
-            <a:ext cx="10007600" cy="862013"/>
-          </a:xfrm>
-          <a:prstGeom prst="rect">
-            <a:avLst/>
-          </a:prstGeom>
-        </p:spPr>
-        <p:txBody>
-          <a:bodyPr spcFirstLastPara="1" wrap="square" lIns="121900" tIns="121900" rIns="121900" bIns="121900" anchor="t" anchorCtr="0">
-            <a:noAutofit/>
-          </a:bodyPr>
-          <a:lstStyle/>
-          <a:p>
-            <a:r>
-              <a:rPr lang="en" b="1" dirty="0"/>
-              <a:t>Sources and tools Used </a:t>
-            </a:r>
-            <a:endParaRPr b="1" dirty="0"/>
-          </a:p>
-        </p:txBody>
-      </p:sp>
-      <p:sp>
-        <p:nvSpPr>
-          <p:cNvPr id="153" name="Google Shape;153;p17"/>
-          <p:cNvSpPr txBox="1">
-            <a:spLocks noGrp="1"/>
-          </p:cNvSpPr>
-          <p:nvPr>
-            <p:ph type="body" idx="4294967295"/>
-          </p:nvPr>
-        </p:nvSpPr>
-        <p:spPr>
-          <a:xfrm>
-            <a:off x="0" y="995680"/>
-            <a:ext cx="10007600" cy="5191760"/>
-          </a:xfrm>
-          <a:prstGeom prst="rect">
-            <a:avLst/>
-          </a:prstGeom>
-        </p:spPr>
-        <p:txBody>
-          <a:bodyPr spcFirstLastPara="1" wrap="square" lIns="121900" tIns="121900" rIns="121900" bIns="121900" anchor="t" anchorCtr="0">
-            <a:noAutofit/>
-          </a:bodyPr>
-          <a:lstStyle/>
-          <a:p>
-            <a:pPr marL="0" indent="0">
-              <a:buSzPts val="2800"/>
-              <a:buNone/>
-            </a:pPr>
-            <a:endParaRPr lang="en-US" sz="2000" dirty="0"/>
-          </a:p>
-          <a:p>
-            <a:pPr marL="342900" indent="-342900">
-              <a:buSzPts val="2800"/>
-              <a:buFontTx/>
-              <a:buChar char="-"/>
-            </a:pPr>
-            <a:r>
-              <a:rPr lang="en-US" sz="2000" dirty="0">
-                <a:hlinkClick r:id="rId3"/>
-              </a:rPr>
-              <a:t>https://apps.bea.gov/iTable/iTable.cfm?reqid=70</a:t>
-            </a:r>
-            <a:r>
-              <a:rPr lang="en-US" sz="2000" dirty="0"/>
-              <a:t> </a:t>
-            </a:r>
-          </a:p>
-          <a:p>
-            <a:pPr marL="342900" indent="-342900">
-              <a:buSzPts val="2800"/>
-              <a:buFontTx/>
-              <a:buChar char="-"/>
-            </a:pPr>
-            <a:r>
-              <a:rPr lang="en-US" sz="2000" dirty="0">
-                <a:hlinkClick r:id="rId4"/>
-              </a:rPr>
-              <a:t>https://ncses.nsf.gov/indicators/states/indicator/bachelors-degree-holders-per-25-44-year-olds</a:t>
-            </a:r>
-            <a:r>
-              <a:rPr lang="en-US" sz="2000" dirty="0"/>
-              <a:t> </a:t>
-            </a:r>
-          </a:p>
-          <a:p>
-            <a:pPr marL="0" indent="0">
-              <a:buSzPts val="2800"/>
-              <a:buNone/>
-            </a:pPr>
-            <a:endParaRPr lang="en" sz="2000" dirty="0"/>
-          </a:p>
-          <a:p>
-            <a:pPr indent="-541853">
-              <a:buSzPts val="2800"/>
-              <a:buChar char="❖"/>
-            </a:pPr>
-            <a:r>
-              <a:rPr lang="en" sz="2800" dirty="0"/>
-              <a:t>Pandas </a:t>
-            </a:r>
-            <a:endParaRPr sz="2800" dirty="0"/>
-          </a:p>
-          <a:p>
-            <a:pPr indent="-541853">
-              <a:buSzPts val="2800"/>
-              <a:buChar char="❖"/>
-            </a:pPr>
-            <a:r>
-              <a:rPr lang="en" sz="2800" dirty="0"/>
-              <a:t>Matplotlib</a:t>
-            </a:r>
-            <a:endParaRPr sz="2800" dirty="0"/>
-          </a:p>
-          <a:p>
-            <a:pPr indent="-541853">
-              <a:buSzPts val="2800"/>
-              <a:buChar char="❖"/>
-            </a:pPr>
-            <a:r>
-              <a:rPr lang="en" sz="2800" dirty="0"/>
-              <a:t>Tableau</a:t>
-            </a:r>
-            <a:endParaRPr sz="2800" dirty="0"/>
-          </a:p>
-          <a:p>
-            <a:pPr indent="-541853">
-              <a:buSzPts val="2800"/>
-              <a:buChar char="❖"/>
-            </a:pPr>
-            <a:r>
-              <a:rPr lang="en" sz="2800" dirty="0"/>
-              <a:t>Scikit-Learn </a:t>
-            </a:r>
-            <a:endParaRPr sz="2800" dirty="0"/>
-          </a:p>
-          <a:p>
-            <a:pPr indent="-541853">
-              <a:buSzPts val="2800"/>
-              <a:buChar char="❖"/>
-            </a:pPr>
-            <a:r>
-              <a:rPr lang="en" sz="2800" dirty="0"/>
-              <a:t>HTML</a:t>
-            </a:r>
-            <a:endParaRPr sz="2800" dirty="0"/>
-          </a:p>
-          <a:p>
-            <a:pPr indent="-541853">
-              <a:buSzPts val="2800"/>
-              <a:buChar char="❖"/>
-            </a:pPr>
-            <a:r>
-              <a:rPr lang="en" sz="2800" dirty="0"/>
-              <a:t>CSS</a:t>
-            </a:r>
-            <a:endParaRPr sz="2800" dirty="0"/>
-          </a:p>
-          <a:p>
-            <a:pPr indent="-541853">
-              <a:buSzPts val="2800"/>
-              <a:buChar char="❖"/>
-            </a:pPr>
-            <a:r>
-              <a:rPr lang="en" sz="2800" dirty="0"/>
-              <a:t>Bootstrap</a:t>
-            </a:r>
-            <a:endParaRPr sz="2800" dirty="0"/>
-          </a:p>
-        </p:txBody>
-      </p:sp>
-    </p:spTree>
-  </p:cSld>
-  <p:clrMapOvr>
-    <a:masterClrMapping/>
-  </p:clrMapOvr>
-</p:sld>
-</file>
-
-<file path=ppt/slides/slide4.xml><?xml version="1.0" encoding="utf-8"?>
-<p:sld xmlns:a="http://schemas.openxmlformats.org/drawingml/2006/main" xmlns:r="http://schemas.openxmlformats.org/officeDocument/2006/relationships" xmlns:p="http://schemas.openxmlformats.org/presentationml/2006/main">
-  <p:cSld>
-    <p:spTree>
-      <p:nvGrpSpPr>
-        <p:cNvPr id="1" name="Shape 157"/>
-        <p:cNvGrpSpPr/>
-        <p:nvPr/>
-      </p:nvGrpSpPr>
-      <p:grpSpPr>
-        <a:xfrm>
-          <a:off x="0" y="0"/>
-          <a:ext cx="0" cy="0"/>
-          <a:chOff x="0" y="0"/>
-          <a:chExt cx="0" cy="0"/>
-        </a:xfrm>
-      </p:grpSpPr>
-      <p:sp>
-        <p:nvSpPr>
-          <p:cNvPr id="158" name="Google Shape;158;p18"/>
-          <p:cNvSpPr txBox="1">
-            <a:spLocks noGrp="1"/>
-          </p:cNvSpPr>
-          <p:nvPr>
-            <p:ph type="title" idx="4294967295"/>
-          </p:nvPr>
-        </p:nvSpPr>
-        <p:spPr>
-          <a:xfrm>
-            <a:off x="0" y="344488"/>
-            <a:ext cx="10007600" cy="889000"/>
-          </a:xfrm>
-          <a:prstGeom prst="rect">
-            <a:avLst/>
-          </a:prstGeom>
-        </p:spPr>
-        <p:txBody>
-          <a:bodyPr spcFirstLastPara="1" wrap="square" lIns="121900" tIns="121900" rIns="121900" bIns="121900" anchor="t" anchorCtr="0">
-            <a:noAutofit/>
-          </a:bodyPr>
-          <a:lstStyle/>
-          <a:p>
-            <a:r>
-              <a:rPr lang="en" b="1" dirty="0"/>
-              <a:t>Cleanup</a:t>
-            </a:r>
-            <a:endParaRPr b="1" dirty="0"/>
-          </a:p>
-        </p:txBody>
-      </p:sp>
-      <p:sp>
-        <p:nvSpPr>
-          <p:cNvPr id="159" name="Google Shape;159;p18"/>
-          <p:cNvSpPr txBox="1">
-            <a:spLocks noGrp="1"/>
-          </p:cNvSpPr>
-          <p:nvPr>
-            <p:ph type="body" idx="4294967295"/>
-          </p:nvPr>
-        </p:nvSpPr>
-        <p:spPr>
-          <a:xfrm>
-            <a:off x="817563" y="1074738"/>
-            <a:ext cx="11374437" cy="5422900"/>
-          </a:xfrm>
-          <a:prstGeom prst="rect">
-            <a:avLst/>
-          </a:prstGeom>
-        </p:spPr>
-        <p:txBody>
-          <a:bodyPr spcFirstLastPara="1" wrap="square" lIns="121900" tIns="121900" rIns="121900" bIns="121900" anchor="t" anchorCtr="0">
-            <a:noAutofit/>
-          </a:bodyPr>
-          <a:lstStyle/>
-          <a:p>
-            <a:pPr indent="-457189">
-              <a:buClr>
-                <a:srgbClr val="424242"/>
-              </a:buClr>
-              <a:buSzPts val="1800"/>
-              <a:buFont typeface="Nunito"/>
-              <a:buChar char="❖"/>
-            </a:pPr>
-            <a:r>
-              <a:rPr lang="en" sz="2400" dirty="0">
-                <a:solidFill>
-                  <a:srgbClr val="424242"/>
-                </a:solidFill>
-                <a:latin typeface="Nunito"/>
-                <a:ea typeface="Nunito"/>
-                <a:cs typeface="Nunito"/>
-                <a:sym typeface="Nunito"/>
-              </a:rPr>
-              <a:t>Extract raw data csv files and import to jupyter notebook using pandas to transform the data. </a:t>
-            </a:r>
-            <a:endParaRPr sz="2400" dirty="0">
-              <a:solidFill>
-                <a:srgbClr val="424242"/>
-              </a:solidFill>
-              <a:latin typeface="Nunito"/>
-              <a:ea typeface="Nunito"/>
-              <a:cs typeface="Nunito"/>
-              <a:sym typeface="Nunito"/>
-            </a:endParaRPr>
-          </a:p>
-          <a:p>
-            <a:pPr indent="-457189">
-              <a:buClr>
-                <a:srgbClr val="424242"/>
-              </a:buClr>
-              <a:buSzPts val="1800"/>
-              <a:buFont typeface="Nunito"/>
-              <a:buChar char="❖"/>
-            </a:pPr>
-            <a:r>
-              <a:rPr lang="en" sz="2400" dirty="0">
-                <a:solidFill>
-                  <a:srgbClr val="424242"/>
-                </a:solidFill>
-                <a:latin typeface="Nunito"/>
-                <a:ea typeface="Nunito"/>
-                <a:cs typeface="Nunito"/>
-                <a:sym typeface="Nunito"/>
-              </a:rPr>
-              <a:t>Selected 3 columns from each of the 2 datasets to use in our final dataset for this project. </a:t>
-            </a:r>
-            <a:endParaRPr sz="2400" dirty="0">
-              <a:solidFill>
-                <a:srgbClr val="424242"/>
-              </a:solidFill>
-              <a:latin typeface="Nunito"/>
-              <a:ea typeface="Nunito"/>
-              <a:cs typeface="Nunito"/>
-              <a:sym typeface="Nunito"/>
-            </a:endParaRPr>
-          </a:p>
-          <a:p>
-            <a:pPr marL="0" indent="0">
-              <a:spcBef>
-                <a:spcPts val="2133"/>
-              </a:spcBef>
-              <a:buNone/>
-            </a:pPr>
-            <a:endParaRPr sz="2133" dirty="0">
-              <a:solidFill>
-                <a:srgbClr val="424242"/>
-              </a:solidFill>
-              <a:latin typeface="Nunito"/>
-              <a:ea typeface="Nunito"/>
-              <a:cs typeface="Nunito"/>
-              <a:sym typeface="Nunito"/>
-            </a:endParaRPr>
-          </a:p>
-          <a:p>
-            <a:pPr marL="0" indent="0">
-              <a:spcBef>
-                <a:spcPts val="2133"/>
-              </a:spcBef>
-              <a:spcAft>
-                <a:spcPts val="2133"/>
-              </a:spcAft>
-              <a:buNone/>
-            </a:pPr>
-            <a:endParaRPr sz="2133" dirty="0">
-              <a:solidFill>
-                <a:srgbClr val="424242"/>
-              </a:solidFill>
-              <a:latin typeface="Nunito"/>
-              <a:ea typeface="Nunito"/>
-              <a:cs typeface="Nunito"/>
-              <a:sym typeface="Nunito"/>
-            </a:endParaRPr>
-          </a:p>
-        </p:txBody>
-      </p:sp>
-      <p:pic>
-        <p:nvPicPr>
-          <p:cNvPr id="4" name="Picture 3" descr="Graphical user interface, text, application, email&#10;&#10;Description automatically generated">
-            <a:extLst>
-              <a:ext uri="{FF2B5EF4-FFF2-40B4-BE49-F238E27FC236}">
-                <a16:creationId xmlns:a16="http://schemas.microsoft.com/office/drawing/2014/main" id="{F57FCD1B-BF75-2133-189F-447F61ED29C0}"/>
-              </a:ext>
-            </a:extLst>
-          </p:cNvPr>
-          <p:cNvPicPr>
-            <a:picLocks noChangeAspect="1"/>
-          </p:cNvPicPr>
-          <p:nvPr/>
-        </p:nvPicPr>
-        <p:blipFill>
-          <a:blip r:embed="rId3">
-            <a:extLst>
-              <a:ext uri="{28A0092B-C50C-407E-A947-70E740481C1C}">
-                <a14:useLocalDpi xmlns:a14="http://schemas.microsoft.com/office/drawing/2010/main" val="0"/>
-              </a:ext>
-            </a:extLst>
-          </a:blip>
-          <a:stretch>
-            <a:fillRect/>
-          </a:stretch>
-        </p:blipFill>
-        <p:spPr>
-          <a:xfrm>
-            <a:off x="3169920" y="2783840"/>
-            <a:ext cx="6837680" cy="3474719"/>
-          </a:xfrm>
-          <a:prstGeom prst="rect">
-            <a:avLst/>
-          </a:prstGeom>
-        </p:spPr>
-      </p:pic>
-    </p:spTree>
-  </p:cSld>
-  <p:clrMapOvr>
-    <a:masterClrMapping/>
-  </p:clrMapOvr>
-</p:sld>
-</file>
-
-<file path=ppt/slides/slide5.xml><?xml version="1.0" encoding="utf-8"?>
-<p:sld xmlns:a="http://schemas.openxmlformats.org/drawingml/2006/main" xmlns:r="http://schemas.openxmlformats.org/officeDocument/2006/relationships" xmlns:p="http://schemas.openxmlformats.org/presentationml/2006/main">
-  <p:cSld>
-    <p:spTree>
-      <p:nvGrpSpPr>
-        <p:cNvPr id="1" name="Shape 164"/>
-        <p:cNvGrpSpPr/>
-        <p:nvPr/>
-      </p:nvGrpSpPr>
-      <p:grpSpPr>
-        <a:xfrm>
-          <a:off x="0" y="0"/>
-          <a:ext cx="0" cy="0"/>
-          <a:chOff x="0" y="0"/>
-          <a:chExt cx="0" cy="0"/>
-        </a:xfrm>
-      </p:grpSpPr>
-      <p:sp>
-        <p:nvSpPr>
-          <p:cNvPr id="165" name="Google Shape;165;p19"/>
-          <p:cNvSpPr txBox="1">
-            <a:spLocks noGrp="1"/>
-          </p:cNvSpPr>
-          <p:nvPr>
-            <p:ph type="title" idx="4294967295"/>
-          </p:nvPr>
-        </p:nvSpPr>
-        <p:spPr>
-          <a:xfrm>
-            <a:off x="0" y="376238"/>
-            <a:ext cx="10007600" cy="842962"/>
-          </a:xfrm>
-          <a:prstGeom prst="rect">
-            <a:avLst/>
-          </a:prstGeom>
-        </p:spPr>
-        <p:txBody>
-          <a:bodyPr spcFirstLastPara="1" wrap="square" lIns="121900" tIns="121900" rIns="121900" bIns="121900" anchor="t" anchorCtr="0">
-            <a:noAutofit/>
-          </a:bodyPr>
-          <a:lstStyle/>
-          <a:p>
-            <a:r>
-              <a:rPr lang="en" b="1" dirty="0"/>
-              <a:t>Cleanup</a:t>
-            </a:r>
-            <a:endParaRPr dirty="0"/>
-          </a:p>
-        </p:txBody>
-      </p:sp>
-      <p:sp>
-        <p:nvSpPr>
-          <p:cNvPr id="166" name="Google Shape;166;p19"/>
-          <p:cNvSpPr txBox="1">
-            <a:spLocks noGrp="1"/>
-          </p:cNvSpPr>
-          <p:nvPr>
-            <p:ph type="body" idx="4294967295"/>
-          </p:nvPr>
-        </p:nvSpPr>
-        <p:spPr>
-          <a:xfrm>
-            <a:off x="836613" y="1331913"/>
-            <a:ext cx="11233467" cy="4845367"/>
-          </a:xfrm>
-          <a:prstGeom prst="rect">
-            <a:avLst/>
-          </a:prstGeom>
-        </p:spPr>
-        <p:txBody>
-          <a:bodyPr spcFirstLastPara="1" wrap="square" lIns="121900" tIns="121900" rIns="121900" bIns="121900" anchor="t" anchorCtr="0">
-            <a:noAutofit/>
-          </a:bodyPr>
-          <a:lstStyle/>
-          <a:p>
-            <a:pPr indent="-457189">
-              <a:buClr>
-                <a:srgbClr val="424242"/>
-              </a:buClr>
-              <a:buSzPts val="1800"/>
-              <a:buFont typeface="Nunito"/>
-              <a:buChar char="❖"/>
-            </a:pPr>
-            <a:r>
-              <a:rPr lang="en" sz="2400" dirty="0">
-                <a:solidFill>
-                  <a:srgbClr val="424242"/>
-                </a:solidFill>
-                <a:latin typeface="Nunito"/>
-                <a:ea typeface="Nunito"/>
-                <a:cs typeface="Nunito"/>
-                <a:sym typeface="Nunito"/>
-              </a:rPr>
-              <a:t>Once the datasets were transformed, we merged all datasets, and exported a merged_results csv file to use it for our analysis and predictions.</a:t>
-            </a:r>
-            <a:endParaRPr sz="2400" dirty="0">
-              <a:solidFill>
-                <a:srgbClr val="424242"/>
-              </a:solidFill>
-              <a:latin typeface="Nunito"/>
-              <a:ea typeface="Nunito"/>
-              <a:cs typeface="Nunito"/>
-              <a:sym typeface="Nunito"/>
-            </a:endParaRPr>
-          </a:p>
-          <a:p>
-            <a:pPr marL="0" indent="0">
-              <a:spcBef>
-                <a:spcPts val="2133"/>
-              </a:spcBef>
-              <a:buNone/>
-            </a:pPr>
-            <a:endParaRPr sz="2133" dirty="0">
-              <a:solidFill>
-                <a:srgbClr val="424242"/>
-              </a:solidFill>
-              <a:latin typeface="Nunito"/>
-              <a:ea typeface="Nunito"/>
-              <a:cs typeface="Nunito"/>
-              <a:sym typeface="Nunito"/>
-            </a:endParaRPr>
-          </a:p>
-          <a:p>
-            <a:pPr marL="0" indent="0">
-              <a:spcBef>
-                <a:spcPts val="2133"/>
-              </a:spcBef>
-              <a:spcAft>
-                <a:spcPts val="2133"/>
-              </a:spcAft>
-              <a:buNone/>
-            </a:pPr>
-            <a:endParaRPr sz="2133" dirty="0">
-              <a:solidFill>
-                <a:srgbClr val="424242"/>
-              </a:solidFill>
-              <a:latin typeface="Nunito"/>
-              <a:ea typeface="Nunito"/>
-              <a:cs typeface="Nunito"/>
-              <a:sym typeface="Nunito"/>
-            </a:endParaRPr>
-          </a:p>
-        </p:txBody>
-      </p:sp>
-      <p:pic>
-        <p:nvPicPr>
-          <p:cNvPr id="3" name="Picture 2" descr="Table&#10;&#10;Description automatically generated">
-            <a:extLst>
-              <a:ext uri="{FF2B5EF4-FFF2-40B4-BE49-F238E27FC236}">
-                <a16:creationId xmlns:a16="http://schemas.microsoft.com/office/drawing/2014/main" id="{89A08CF0-8B7C-E3EC-1E79-F713DD5E9D1B}"/>
-              </a:ext>
-            </a:extLst>
-          </p:cNvPr>
-          <p:cNvPicPr>
-            <a:picLocks noChangeAspect="1"/>
-          </p:cNvPicPr>
-          <p:nvPr/>
-        </p:nvPicPr>
-        <p:blipFill>
-          <a:blip r:embed="rId3">
-            <a:extLst>
-              <a:ext uri="{28A0092B-C50C-407E-A947-70E740481C1C}">
-                <a14:useLocalDpi xmlns:a14="http://schemas.microsoft.com/office/drawing/2010/main" val="0"/>
-              </a:ext>
-            </a:extLst>
-          </a:blip>
-          <a:stretch>
-            <a:fillRect/>
-          </a:stretch>
-        </p:blipFill>
-        <p:spPr>
-          <a:xfrm>
-            <a:off x="1554480" y="2550160"/>
-            <a:ext cx="9245600" cy="3484880"/>
-          </a:xfrm>
-          <a:prstGeom prst="rect">
-            <a:avLst/>
-          </a:prstGeom>
-        </p:spPr>
-      </p:pic>
-    </p:spTree>
-    <p:extLst>
-      <p:ext uri="{BB962C8B-B14F-4D97-AF65-F5344CB8AC3E}">
-        <p14:creationId xmlns:p14="http://schemas.microsoft.com/office/powerpoint/2010/main" val="2051874500"/>
-      </p:ext>
-    </p:extLst>
-  </p:cSld>
-  <p:clrMapOvr>
-    <a:masterClrMapping/>
-  </p:clrMapOvr>
-</p:sld>
-</file>
-
-<file path=ppt/slides/slide6.xml><?xml version="1.0" encoding="utf-8"?>
-<p:sld xmlns:a="http://schemas.openxmlformats.org/drawingml/2006/main" xmlns:r="http://schemas.openxmlformats.org/officeDocument/2006/relationships" xmlns:p="http://schemas.openxmlformats.org/presentationml/2006/main">
-  <p:cSld>
-    <p:spTree>
-      <p:nvGrpSpPr>
-        <p:cNvPr id="1" name=""/>
-        <p:cNvGrpSpPr/>
-        <p:nvPr/>
-      </p:nvGrpSpPr>
-      <p:grpSpPr>
-        <a:xfrm>
-          <a:off x="0" y="0"/>
-          <a:ext cx="0" cy="0"/>
-          <a:chOff x="0" y="0"/>
-          <a:chExt cx="0" cy="0"/>
-        </a:xfrm>
-      </p:grpSpPr>
-    </p:spTree>
-    <p:extLst>
-      <p:ext uri="{BB962C8B-B14F-4D97-AF65-F5344CB8AC3E}">
-        <p14:creationId xmlns:p14="http://schemas.microsoft.com/office/powerpoint/2010/main" val="463498400"/>
-      </p:ext>
-    </p:extLst>
-  </p:cSld>
-  <p:clrMapOvr>
-    <a:masterClrMapping/>
-  </p:clrMapOvr>
-</p:sld>
-</file>
-
-<file path=ppt/slides/slide7.xml><?xml version="1.0" encoding="utf-8"?>
-<p:sld xmlns:a="http://schemas.openxmlformats.org/drawingml/2006/main" xmlns:r="http://schemas.openxmlformats.org/officeDocument/2006/relationships" xmlns:p="http://schemas.openxmlformats.org/presentationml/2006/main">
-  <p:cSld>
-    <p:spTree>
-      <p:nvGrpSpPr>
-        <p:cNvPr id="1" name="Shape 186"/>
-        <p:cNvGrpSpPr/>
-        <p:nvPr/>
-      </p:nvGrpSpPr>
-      <p:grpSpPr>
-        <a:xfrm>
-          <a:off x="0" y="0"/>
-          <a:ext cx="0" cy="0"/>
-          <a:chOff x="0" y="0"/>
-          <a:chExt cx="0" cy="0"/>
-        </a:xfrm>
-      </p:grpSpPr>
-      <p:sp>
-        <p:nvSpPr>
-          <p:cNvPr id="187" name="Google Shape;187;p22"/>
-          <p:cNvSpPr txBox="1">
-            <a:spLocks noGrp="1"/>
-          </p:cNvSpPr>
-          <p:nvPr>
-            <p:ph type="title" idx="4294967295"/>
-          </p:nvPr>
-        </p:nvSpPr>
-        <p:spPr>
-          <a:xfrm>
-            <a:off x="0" y="287338"/>
-            <a:ext cx="10007600" cy="890587"/>
-          </a:xfrm>
-          <a:prstGeom prst="rect">
-            <a:avLst/>
-          </a:prstGeom>
-        </p:spPr>
-        <p:txBody>
-          <a:bodyPr spcFirstLastPara="1" wrap="square" lIns="121900" tIns="121900" rIns="121900" bIns="121900" anchor="t" anchorCtr="0">
-            <a:noAutofit/>
-          </a:bodyPr>
-          <a:lstStyle/>
-          <a:p>
-            <a:r>
-              <a:rPr lang="en" b="1"/>
-              <a:t>Tableau Data</a:t>
-            </a:r>
-            <a:endParaRPr b="1"/>
-          </a:p>
-        </p:txBody>
-      </p:sp>
-      <p:sp>
-        <p:nvSpPr>
-          <p:cNvPr id="188" name="Google Shape;188;p22"/>
-          <p:cNvSpPr txBox="1">
-            <a:spLocks noGrp="1"/>
-          </p:cNvSpPr>
-          <p:nvPr>
-            <p:ph type="body" idx="4294967295"/>
-          </p:nvPr>
-        </p:nvSpPr>
-        <p:spPr>
-          <a:xfrm>
-            <a:off x="808038" y="1022350"/>
-            <a:ext cx="11383962" cy="976313"/>
-          </a:xfrm>
-          <a:prstGeom prst="rect">
-            <a:avLst/>
-          </a:prstGeom>
-        </p:spPr>
-        <p:txBody>
-          <a:bodyPr spcFirstLastPara="1" wrap="square" lIns="121900" tIns="121900" rIns="121900" bIns="121900" anchor="t" anchorCtr="0">
-            <a:noAutofit/>
-          </a:bodyPr>
-          <a:lstStyle/>
-          <a:p>
-            <a:pPr indent="-448722">
-              <a:buSzPts val="1700"/>
-              <a:buFont typeface="Nunito"/>
-              <a:buChar char="❖"/>
-            </a:pPr>
-            <a:r>
-              <a:rPr lang="en" sz="2267" dirty="0">
-                <a:latin typeface="Nunito"/>
-                <a:ea typeface="Nunito"/>
-                <a:cs typeface="Nunito"/>
-                <a:sym typeface="Nunito"/>
-              </a:rPr>
-              <a:t>Used cleanup data ‘merge_bi.csv’ to create Tableau Visualization with a drop down filter by state and year.</a:t>
-            </a:r>
-          </a:p>
-          <a:p>
-            <a:pPr indent="-448722">
-              <a:buSzPts val="1700"/>
-              <a:buFont typeface="Nunito"/>
-              <a:buChar char="❖"/>
-            </a:pPr>
-            <a:endParaRPr lang="en" sz="2267" dirty="0">
-              <a:latin typeface="Nunito"/>
-              <a:ea typeface="Nunito"/>
-              <a:cs typeface="Nunito"/>
-              <a:sym typeface="Nunito"/>
-            </a:endParaRPr>
-          </a:p>
-          <a:p>
-            <a:pPr marL="8478" indent="0">
-              <a:buSzPts val="1700"/>
-              <a:buNone/>
-            </a:pPr>
-            <a:r>
-              <a:rPr lang="en" sz="2267" dirty="0">
-                <a:solidFill>
-                  <a:schemeClr val="accent2"/>
-                </a:solidFill>
-                <a:latin typeface="Nunito"/>
-                <a:ea typeface="Nunito"/>
-                <a:cs typeface="Nunito"/>
-                <a:sym typeface="Nunito"/>
-              </a:rPr>
-              <a:t>(add your png here)</a:t>
-            </a:r>
-            <a:endParaRPr sz="2267" dirty="0">
-              <a:solidFill>
-                <a:schemeClr val="accent2"/>
-              </a:solidFill>
-              <a:latin typeface="Nunito"/>
-              <a:ea typeface="Nunito"/>
-              <a:cs typeface="Nunito"/>
-              <a:sym typeface="Nunito"/>
-            </a:endParaRPr>
-          </a:p>
-          <a:p>
-            <a:pPr marL="0" indent="0">
-              <a:spcBef>
-                <a:spcPts val="2133"/>
-              </a:spcBef>
-              <a:spcAft>
-                <a:spcPts val="2133"/>
-              </a:spcAft>
-              <a:buNone/>
-            </a:pPr>
-            <a:endParaRPr sz="2133" dirty="0">
-              <a:latin typeface="Nunito"/>
-              <a:ea typeface="Nunito"/>
-              <a:cs typeface="Nunito"/>
-              <a:sym typeface="Nunito"/>
-            </a:endParaRPr>
-          </a:p>
-        </p:txBody>
-      </p:sp>
-    </p:spTree>
-  </p:cSld>
-  <p:clrMapOvr>
-    <a:masterClrMapping/>
-  </p:clrMapOvr>
-</p:sld>
-</file>
-
-<file path=ppt/slides/slide8.xml><?xml version="1.0" encoding="utf-8"?>
-<p:sld xmlns:a="http://schemas.openxmlformats.org/drawingml/2006/main" xmlns:r="http://schemas.openxmlformats.org/officeDocument/2006/relationships" xmlns:p="http://schemas.openxmlformats.org/presentationml/2006/main">
-  <p:cSld>
-    <p:spTree>
-      <p:nvGrpSpPr>
-        <p:cNvPr id="1" name=""/>
-        <p:cNvGrpSpPr/>
-        <p:nvPr/>
-      </p:nvGrpSpPr>
-      <p:grpSpPr>
-        <a:xfrm>
-          <a:off x="0" y="0"/>
-          <a:ext cx="0" cy="0"/>
-          <a:chOff x="0" y="0"/>
-          <a:chExt cx="0" cy="0"/>
-        </a:xfrm>
-      </p:grpSpPr>
-    </p:spTree>
-    <p:extLst>
-      <p:ext uri="{BB962C8B-B14F-4D97-AF65-F5344CB8AC3E}">
-        <p14:creationId xmlns:p14="http://schemas.microsoft.com/office/powerpoint/2010/main" val="1717816431"/>
-      </p:ext>
-    </p:extLst>
-  </p:cSld>
-  <p:clrMapOvr>
-    <a:masterClrMapping/>
-  </p:clrMapOvr>
-</p:sld>
-</file>
-
-<file path=ppt/slides/slide9.xml><?xml version="1.0" encoding="utf-8"?>
-<p:sld xmlns:a="http://schemas.openxmlformats.org/drawingml/2006/main" xmlns:r="http://schemas.openxmlformats.org/officeDocument/2006/relationships" xmlns:p="http://schemas.openxmlformats.org/presentationml/2006/main">
-  <p:cSld>
-    <p:spTree>
-      <p:nvGrpSpPr>
-        <p:cNvPr id="1" name="Shape 218"/>
-        <p:cNvGrpSpPr/>
-        <p:nvPr/>
-      </p:nvGrpSpPr>
-      <p:grpSpPr>
-        <a:xfrm>
-          <a:off x="0" y="0"/>
-          <a:ext cx="0" cy="0"/>
-          <a:chOff x="0" y="0"/>
-          <a:chExt cx="0" cy="0"/>
-        </a:xfrm>
-      </p:grpSpPr>
-      <p:sp>
-        <p:nvSpPr>
-          <p:cNvPr id="219" name="Google Shape;219;p27"/>
-          <p:cNvSpPr txBox="1">
-            <a:spLocks noGrp="1"/>
-          </p:cNvSpPr>
-          <p:nvPr>
-            <p:ph type="title" idx="4294967295"/>
-          </p:nvPr>
-        </p:nvSpPr>
-        <p:spPr>
-          <a:xfrm>
-            <a:off x="0" y="141288"/>
-            <a:ext cx="10007600" cy="833437"/>
-          </a:xfrm>
-          <a:prstGeom prst="rect">
-            <a:avLst/>
-          </a:prstGeom>
-        </p:spPr>
-        <p:txBody>
-          <a:bodyPr spcFirstLastPara="1" wrap="square" lIns="121900" tIns="121900" rIns="121900" bIns="121900" anchor="t" anchorCtr="0">
-            <a:noAutofit/>
-          </a:bodyPr>
-          <a:lstStyle/>
-          <a:p>
-            <a:r>
-              <a:rPr lang="en" b="1"/>
-              <a:t>Machine Learning</a:t>
-            </a:r>
-            <a:endParaRPr b="1"/>
-          </a:p>
-        </p:txBody>
-      </p:sp>
-      <p:sp>
-        <p:nvSpPr>
-          <p:cNvPr id="220" name="Google Shape;220;p27"/>
-          <p:cNvSpPr txBox="1">
-            <a:spLocks noGrp="1"/>
-          </p:cNvSpPr>
-          <p:nvPr>
-            <p:ph type="body" idx="4294967295"/>
-          </p:nvPr>
-        </p:nvSpPr>
-        <p:spPr>
-          <a:xfrm>
-            <a:off x="0" y="1778000"/>
-            <a:ext cx="11814175" cy="915912"/>
-          </a:xfrm>
-          <a:prstGeom prst="rect">
-            <a:avLst/>
-          </a:prstGeom>
-        </p:spPr>
-        <p:txBody>
-          <a:bodyPr spcFirstLastPara="1" wrap="square" lIns="121900" tIns="121900" rIns="121900" bIns="121900" anchor="t" anchorCtr="0">
-            <a:noAutofit/>
-          </a:bodyPr>
-          <a:lstStyle/>
-          <a:p>
-            <a:pPr indent="-457189">
-              <a:buClr>
-                <a:srgbClr val="000000"/>
-              </a:buClr>
-              <a:buSzPts val="1800"/>
-              <a:buChar char="❖"/>
-            </a:pPr>
-            <a:r>
-              <a:rPr lang="en" sz="2400" b="1" dirty="0">
-                <a:solidFill>
-                  <a:srgbClr val="000000"/>
-                </a:solidFill>
-              </a:rPr>
-              <a:t>Prove: </a:t>
-            </a:r>
-            <a:r>
-              <a:rPr lang="en" sz="2133" dirty="0">
-                <a:solidFill>
-                  <a:srgbClr val="000000"/>
-                </a:solidFill>
-              </a:rPr>
-              <a:t> Bachelors percentage and postsecondary degre percentage are strongly correlated to the per capita income by State </a:t>
-            </a:r>
-            <a:endParaRPr sz="2400" dirty="0">
-              <a:solidFill>
-                <a:srgbClr val="000000"/>
-              </a:solidFill>
-            </a:endParaRPr>
-          </a:p>
-          <a:p>
-            <a:pPr marL="0" indent="0">
-              <a:buNone/>
-            </a:pPr>
-            <a:endParaRPr sz="1867" dirty="0">
-              <a:solidFill>
-                <a:srgbClr val="000000"/>
-              </a:solidFill>
-              <a:latin typeface="Arial"/>
-              <a:ea typeface="Arial"/>
-              <a:cs typeface="Arial"/>
-              <a:sym typeface="Arial"/>
-            </a:endParaRPr>
-          </a:p>
-          <a:p>
-            <a:pPr marL="0" indent="0">
-              <a:spcAft>
-                <a:spcPts val="2133"/>
-              </a:spcAft>
-              <a:buNone/>
-            </a:pPr>
-            <a:endParaRPr sz="1867" dirty="0"/>
-          </a:p>
-        </p:txBody>
-      </p:sp>
-      <p:sp>
-        <p:nvSpPr>
-          <p:cNvPr id="224" name="Google Shape;224;p27"/>
-          <p:cNvSpPr txBox="1"/>
-          <p:nvPr/>
-        </p:nvSpPr>
-        <p:spPr>
-          <a:xfrm>
-            <a:off x="101600" y="914400"/>
-            <a:ext cx="11622800" cy="1006400"/>
-          </a:xfrm>
-          <a:prstGeom prst="rect">
-            <a:avLst/>
-          </a:prstGeom>
-          <a:noFill/>
-          <a:ln>
-            <a:noFill/>
-          </a:ln>
-        </p:spPr>
-        <p:txBody>
-          <a:bodyPr spcFirstLastPara="1" wrap="square" lIns="121900" tIns="121900" rIns="121900" bIns="121900" anchor="t" anchorCtr="0">
-            <a:noAutofit/>
-          </a:bodyPr>
-          <a:lstStyle/>
-          <a:p>
-            <a:pPr marL="609585" indent="-457189" defTabSz="1219170">
-              <a:lnSpc>
-                <a:spcPct val="115000"/>
-              </a:lnSpc>
-              <a:buClr>
-                <a:srgbClr val="000000"/>
-              </a:buClr>
-              <a:buSzPts val="1800"/>
-              <a:buFont typeface="Calibri"/>
-              <a:buChar char="❖"/>
-            </a:pPr>
-            <a:r>
-              <a:rPr lang="en" sz="2400" kern="0">
-                <a:solidFill>
-                  <a:srgbClr val="000000"/>
-                </a:solidFill>
-                <a:latin typeface="Calibri"/>
-                <a:ea typeface="Calibri"/>
-                <a:cs typeface="Calibri"/>
-                <a:sym typeface="Calibri"/>
-              </a:rPr>
-              <a:t>Cleanup of merged_results for Machine Learning purposes</a:t>
-            </a:r>
-            <a:endParaRPr sz="2400" kern="0">
-              <a:solidFill>
-                <a:srgbClr val="000000"/>
-              </a:solidFill>
-              <a:latin typeface="Calibri"/>
-              <a:ea typeface="Calibri"/>
-              <a:cs typeface="Calibri"/>
-              <a:sym typeface="Calibri"/>
-            </a:endParaRPr>
-          </a:p>
-          <a:p>
-            <a:pPr marL="1219170" lvl="1" indent="-457189" defTabSz="1219170">
-              <a:lnSpc>
-                <a:spcPct val="115000"/>
-              </a:lnSpc>
-              <a:buClr>
-                <a:srgbClr val="000000"/>
-              </a:buClr>
-              <a:buSzPts val="1800"/>
-              <a:buFont typeface="Calibri"/>
-              <a:buChar char="➢"/>
-            </a:pPr>
-            <a:r>
-              <a:rPr lang="en" sz="2400" kern="0">
-                <a:solidFill>
-                  <a:srgbClr val="000000"/>
-                </a:solidFill>
-                <a:latin typeface="Calibri"/>
-                <a:ea typeface="Calibri"/>
-                <a:cs typeface="Calibri"/>
-                <a:sym typeface="Calibri"/>
-              </a:rPr>
-              <a:t>Changed per capita income from $ to % </a:t>
-            </a:r>
-            <a:endParaRPr sz="2400" kern="0">
-              <a:solidFill>
-                <a:srgbClr val="000000"/>
-              </a:solidFill>
-              <a:latin typeface="Calibri"/>
-              <a:ea typeface="Calibri"/>
-              <a:cs typeface="Calibri"/>
-              <a:sym typeface="Calibri"/>
-            </a:endParaRPr>
-          </a:p>
-        </p:txBody>
-      </p:sp>
-      <p:pic>
-        <p:nvPicPr>
-          <p:cNvPr id="6" name="Picture 5" descr="Chart, scatter chart&#10;&#10;Description automatically generated">
-            <a:extLst>
-              <a:ext uri="{FF2B5EF4-FFF2-40B4-BE49-F238E27FC236}">
-                <a16:creationId xmlns:a16="http://schemas.microsoft.com/office/drawing/2014/main" id="{EE90EB5E-89F6-EEC7-EFE2-E38F105499FA}"/>
-              </a:ext>
-            </a:extLst>
-          </p:cNvPr>
-          <p:cNvPicPr>
-            <a:picLocks noChangeAspect="1"/>
-          </p:cNvPicPr>
-          <p:nvPr/>
-        </p:nvPicPr>
-        <p:blipFill>
-          <a:blip r:embed="rId3">
-            <a:extLst>
-              <a:ext uri="{28A0092B-C50C-407E-A947-70E740481C1C}">
-                <a14:useLocalDpi xmlns:a14="http://schemas.microsoft.com/office/drawing/2010/main" val="0"/>
-              </a:ext>
-            </a:extLst>
-          </a:blip>
-          <a:stretch>
-            <a:fillRect/>
-          </a:stretch>
-        </p:blipFill>
-        <p:spPr>
-          <a:xfrm>
-            <a:off x="1320611" y="2865120"/>
-            <a:ext cx="5445949" cy="3851592"/>
-          </a:xfrm>
-          <a:prstGeom prst="rect">
-            <a:avLst/>
-          </a:prstGeom>
-        </p:spPr>
-      </p:pic>
-      <p:pic>
-        <p:nvPicPr>
-          <p:cNvPr id="8" name="Picture 7" descr="A picture containing text&#10;&#10;Description automatically generated">
-            <a:extLst>
-              <a:ext uri="{FF2B5EF4-FFF2-40B4-BE49-F238E27FC236}">
-                <a16:creationId xmlns:a16="http://schemas.microsoft.com/office/drawing/2014/main" id="{C9D608CE-A487-1DB1-B57E-BB8A0FDA4227}"/>
-              </a:ext>
-            </a:extLst>
-          </p:cNvPr>
-          <p:cNvPicPr>
-            <a:picLocks noChangeAspect="1"/>
-          </p:cNvPicPr>
-          <p:nvPr/>
-        </p:nvPicPr>
-        <p:blipFill>
-          <a:blip r:embed="rId4">
-            <a:extLst>
-              <a:ext uri="{28A0092B-C50C-407E-A947-70E740481C1C}">
-                <a14:useLocalDpi xmlns:a14="http://schemas.microsoft.com/office/drawing/2010/main" val="0"/>
-              </a:ext>
-            </a:extLst>
-          </a:blip>
-          <a:stretch>
-            <a:fillRect/>
-          </a:stretch>
-        </p:blipFill>
-        <p:spPr>
-          <a:xfrm>
-            <a:off x="7457440" y="4582160"/>
-            <a:ext cx="3698239" cy="1397000"/>
           </a:xfrm>
           <a:prstGeom prst="rect">
             <a:avLst/>

--- a/Education for income.pptx
+++ b/Education for income.pptx
@@ -211,7 +211,7 @@
           <a:p>
             <a:fld id="{640C3D37-B52B-421F-9961-BB6057BDE57F}" type="datetimeFigureOut">
               <a:rPr lang="en-US" smtClean="0"/>
-              <a:t>8/30/2022</a:t>
+              <a:t>8/31/2022</a:t>
             </a:fld>
             <a:endParaRPr lang="en-US"/>
           </a:p>
@@ -1494,7 +1494,7 @@
           <a:p>
             <a:fld id="{C2537300-66FB-4C6C-A55A-973C72232D20}" type="datetimeFigureOut">
               <a:rPr lang="en-US" smtClean="0"/>
-              <a:t>8/30/2022</a:t>
+              <a:t>8/31/2022</a:t>
             </a:fld>
             <a:endParaRPr lang="en-US"/>
           </a:p>
@@ -1692,7 +1692,7 @@
           <a:p>
             <a:fld id="{C2537300-66FB-4C6C-A55A-973C72232D20}" type="datetimeFigureOut">
               <a:rPr lang="en-US" smtClean="0"/>
-              <a:t>8/30/2022</a:t>
+              <a:t>8/31/2022</a:t>
             </a:fld>
             <a:endParaRPr lang="en-US"/>
           </a:p>
@@ -1900,7 +1900,7 @@
           <a:p>
             <a:fld id="{C2537300-66FB-4C6C-A55A-973C72232D20}" type="datetimeFigureOut">
               <a:rPr lang="en-US" smtClean="0"/>
-              <a:t>8/30/2022</a:t>
+              <a:t>8/31/2022</a:t>
             </a:fld>
             <a:endParaRPr lang="en-US"/>
           </a:p>
@@ -7313,7 +7313,7 @@
           <a:p>
             <a:fld id="{C2537300-66FB-4C6C-A55A-973C72232D20}" type="datetimeFigureOut">
               <a:rPr lang="en-US" smtClean="0"/>
-              <a:t>8/30/2022</a:t>
+              <a:t>8/31/2022</a:t>
             </a:fld>
             <a:endParaRPr lang="en-US"/>
           </a:p>
@@ -13872,7 +13872,7 @@
           <a:p>
             <a:fld id="{C2537300-66FB-4C6C-A55A-973C72232D20}" type="datetimeFigureOut">
               <a:rPr lang="en-US" smtClean="0"/>
-              <a:t>8/30/2022</a:t>
+              <a:t>8/31/2022</a:t>
             </a:fld>
             <a:endParaRPr lang="en-US"/>
           </a:p>
@@ -15272,7 +15272,7 @@
           <a:p>
             <a:fld id="{C2537300-66FB-4C6C-A55A-973C72232D20}" type="datetimeFigureOut">
               <a:rPr lang="en-US" smtClean="0"/>
-              <a:t>8/30/2022</a:t>
+              <a:t>8/31/2022</a:t>
             </a:fld>
             <a:endParaRPr lang="en-US"/>
           </a:p>
@@ -15684,7 +15684,7 @@
           <a:p>
             <a:fld id="{C2537300-66FB-4C6C-A55A-973C72232D20}" type="datetimeFigureOut">
               <a:rPr lang="en-US" smtClean="0"/>
-              <a:t>8/30/2022</a:t>
+              <a:t>8/31/2022</a:t>
             </a:fld>
             <a:endParaRPr lang="en-US"/>
           </a:p>
@@ -15825,7 +15825,7 @@
           <a:p>
             <a:fld id="{C2537300-66FB-4C6C-A55A-973C72232D20}" type="datetimeFigureOut">
               <a:rPr lang="en-US" smtClean="0"/>
-              <a:t>8/30/2022</a:t>
+              <a:t>8/31/2022</a:t>
             </a:fld>
             <a:endParaRPr lang="en-US"/>
           </a:p>
@@ -15938,7 +15938,7 @@
           <a:p>
             <a:fld id="{C2537300-66FB-4C6C-A55A-973C72232D20}" type="datetimeFigureOut">
               <a:rPr lang="en-US" smtClean="0"/>
-              <a:t>8/30/2022</a:t>
+              <a:t>8/31/2022</a:t>
             </a:fld>
             <a:endParaRPr lang="en-US"/>
           </a:p>
@@ -16249,7 +16249,7 @@
           <a:p>
             <a:fld id="{C2537300-66FB-4C6C-A55A-973C72232D20}" type="datetimeFigureOut">
               <a:rPr lang="en-US" smtClean="0"/>
-              <a:t>8/30/2022</a:t>
+              <a:t>8/31/2022</a:t>
             </a:fld>
             <a:endParaRPr lang="en-US"/>
           </a:p>
@@ -16537,7 +16537,7 @@
           <a:p>
             <a:fld id="{C2537300-66FB-4C6C-A55A-973C72232D20}" type="datetimeFigureOut">
               <a:rPr lang="en-US" smtClean="0"/>
-              <a:t>8/30/2022</a:t>
+              <a:t>8/31/2022</a:t>
             </a:fld>
             <a:endParaRPr lang="en-US"/>
           </a:p>
@@ -16778,7 +16778,7 @@
           <a:p>
             <a:fld id="{C2537300-66FB-4C6C-A55A-973C72232D20}" type="datetimeFigureOut">
               <a:rPr lang="en-US" smtClean="0"/>
-              <a:t>8/30/2022</a:t>
+              <a:t>8/31/2022</a:t>
             </a:fld>
             <a:endParaRPr lang="en-US"/>
           </a:p>
@@ -23805,7 +23805,7 @@
         </p:nvSpPr>
         <p:spPr>
           <a:xfrm>
-            <a:off x="0" y="293688"/>
+            <a:off x="0" y="242888"/>
             <a:ext cx="10007600" cy="833437"/>
           </a:xfrm>
           <a:prstGeom prst="rect">
@@ -23973,10 +23973,10 @@
       </p:sp>
       <p:pic>
         <p:nvPicPr>
-          <p:cNvPr id="5" name="Picture 4" descr="Chart, scatter chart&#10;&#10;Description automatically generated">
+          <p:cNvPr id="3" name="Picture 2" descr="Chart, scatter chart&#10;&#10;Description automatically generated">
             <a:extLst>
               <a:ext uri="{FF2B5EF4-FFF2-40B4-BE49-F238E27FC236}">
-                <a16:creationId xmlns:a16="http://schemas.microsoft.com/office/drawing/2014/main" id="{492AE9A7-4203-6C6E-357D-BED92E2AC9C0}"/>
+                <a16:creationId xmlns:a16="http://schemas.microsoft.com/office/drawing/2014/main" id="{13ADB4DC-50E2-EF1A-D5FD-0EFCFAED55C4}"/>
               </a:ext>
             </a:extLst>
           </p:cNvPr>
@@ -23999,8 +23999,8 @@
         </p:blipFill>
         <p:spPr>
           <a:xfrm>
-            <a:off x="4958080" y="108470"/>
-            <a:ext cx="6868160" cy="6332970"/>
+            <a:off x="5313680" y="1076324"/>
+            <a:ext cx="6339840" cy="5029836"/>
           </a:xfrm>
           <a:prstGeom prst="rect">
             <a:avLst/>
@@ -25499,85 +25499,6 @@
       </p:sp>
       <p:sp>
         <p:nvSpPr>
-          <p:cNvPr id="220" name="Google Shape;220;p27"/>
-          <p:cNvSpPr txBox="1">
-            <a:spLocks noGrp="1"/>
-          </p:cNvSpPr>
-          <p:nvPr>
-            <p:ph type="body" idx="4294967295"/>
-          </p:nvPr>
-        </p:nvSpPr>
-        <p:spPr>
-          <a:xfrm>
-            <a:off x="0" y="1778000"/>
-            <a:ext cx="11814175" cy="915912"/>
-          </a:xfrm>
-          <a:prstGeom prst="rect">
-            <a:avLst/>
-          </a:prstGeom>
-        </p:spPr>
-        <p:txBody>
-          <a:bodyPr spcFirstLastPara="1" wrap="square" lIns="121900" tIns="121900" rIns="121900" bIns="121900" anchor="t" anchorCtr="0">
-            <a:noAutofit/>
-          </a:bodyPr>
-          <a:lstStyle/>
-          <a:p>
-            <a:pPr indent="-457189">
-              <a:buClr>
-                <a:srgbClr val="000000"/>
-              </a:buClr>
-              <a:buSzPts val="1800"/>
-              <a:buChar char="❖"/>
-            </a:pPr>
-            <a:r>
-              <a:rPr lang="en" sz="2400" b="1" dirty="0">
-                <a:solidFill>
-                  <a:srgbClr val="000000"/>
-                </a:solidFill>
-              </a:rPr>
-              <a:t>Prove: </a:t>
-            </a:r>
-            <a:r>
-              <a:rPr lang="en" sz="2133" dirty="0">
-                <a:solidFill>
-                  <a:srgbClr val="000000"/>
-                </a:solidFill>
-              </a:rPr>
-              <a:t> Bachelors percentage and postsecondary degre percentage are strongly correlated to the per capita income by State </a:t>
-            </a:r>
-            <a:endParaRPr sz="2400" dirty="0">
-              <a:solidFill>
-                <a:srgbClr val="000000"/>
-              </a:solidFill>
-            </a:endParaRPr>
-          </a:p>
-          <a:p>
-            <a:pPr marL="0" indent="0">
-              <a:buNone/>
-            </a:pPr>
-            <a:endParaRPr sz="1867" dirty="0">
-              <a:solidFill>
-                <a:srgbClr val="000000"/>
-              </a:solidFill>
-              <a:latin typeface="Arial"/>
-              <a:ea typeface="Arial"/>
-              <a:cs typeface="Arial"/>
-              <a:sym typeface="Arial"/>
-            </a:endParaRPr>
-          </a:p>
-          <a:p>
-            <a:pPr marL="0" indent="0">
-              <a:spcAft>
-                <a:spcPts val="2133"/>
-              </a:spcAft>
-              <a:buNone/>
-            </a:pPr>
-            <a:endParaRPr sz="1867" dirty="0"/>
-          </a:p>
-        </p:txBody>
-      </p:sp>
-      <p:sp>
-        <p:nvSpPr>
           <p:cNvPr id="224" name="Google Shape;224;p27"/>
           <p:cNvSpPr txBox="1"/>
           <p:nvPr/>
@@ -25585,7 +25506,7 @@
         <p:spPr>
           <a:xfrm>
             <a:off x="101600" y="914400"/>
-            <a:ext cx="11622800" cy="1006400"/>
+            <a:ext cx="11622800" cy="629920"/>
           </a:xfrm>
           <a:prstGeom prst="rect">
             <a:avLst/>
@@ -25613,7 +25534,7 @@
               <a:buChar char="❖"/>
             </a:pPr>
             <a:r>
-              <a:rPr lang="en" sz="2400" kern="0">
+              <a:rPr lang="en" sz="2400" kern="0" dirty="0">
                 <a:solidFill>
                   <a:srgbClr val="000000"/>
                 </a:solidFill>
@@ -25624,7 +25545,7 @@
               </a:rPr>
               <a:t>Cleanup of merged_results for Machine Learning purposes</a:t>
             </a:r>
-            <a:endParaRPr sz="2400" kern="0">
+            <a:endParaRPr sz="2400" kern="0" dirty="0">
               <a:solidFill>
                 <a:srgbClr val="000000"/>
               </a:solidFill>
@@ -25634,48 +25555,14 @@
               <a:sym typeface="Calibri"/>
             </a:endParaRPr>
           </a:p>
-          <a:p>
-            <a:pPr marL="1219170" lvl="1" indent="-457189" defTabSz="1219170">
-              <a:lnSpc>
-                <a:spcPct val="115000"/>
-              </a:lnSpc>
-              <a:buClr>
-                <a:srgbClr val="000000"/>
-              </a:buClr>
-              <a:buSzPts val="1800"/>
-              <a:buFont typeface="Calibri"/>
-              <a:buChar char="➢"/>
-            </a:pPr>
-            <a:r>
-              <a:rPr lang="en" sz="2400" kern="0">
-                <a:solidFill>
-                  <a:srgbClr val="000000"/>
-                </a:solidFill>
-                <a:latin typeface="Calibri"/>
-                <a:ea typeface="Calibri"/>
-                <a:cs typeface="Calibri"/>
-                <a:sym typeface="Calibri"/>
-              </a:rPr>
-              <a:t>Changed per capita income from $ to % </a:t>
-            </a:r>
-            <a:endParaRPr sz="2400" kern="0">
-              <a:solidFill>
-                <a:srgbClr val="000000"/>
-              </a:solidFill>
-              <a:latin typeface="Calibri"/>
-              <a:ea typeface="Calibri"/>
-              <a:cs typeface="Calibri"/>
-              <a:sym typeface="Calibri"/>
-            </a:endParaRPr>
-          </a:p>
         </p:txBody>
       </p:sp>
       <p:pic>
         <p:nvPicPr>
-          <p:cNvPr id="6" name="Picture 5" descr="Chart, scatter chart&#10;&#10;Description automatically generated">
+          <p:cNvPr id="8" name="Picture 7" descr="A picture containing text&#10;&#10;Description automatically generated">
             <a:extLst>
               <a:ext uri="{FF2B5EF4-FFF2-40B4-BE49-F238E27FC236}">
-                <a16:creationId xmlns:a16="http://schemas.microsoft.com/office/drawing/2014/main" id="{EE90EB5E-89F6-EEC7-EFE2-E38F105499FA}"/>
+                <a16:creationId xmlns:a16="http://schemas.microsoft.com/office/drawing/2014/main" id="{C9D608CE-A487-1DB1-B57E-BB8A0FDA4227}"/>
               </a:ext>
             </a:extLst>
           </p:cNvPr>
@@ -25698,8 +25585,8 @@
         </p:blipFill>
         <p:spPr>
           <a:xfrm>
-            <a:off x="1320611" y="2865120"/>
-            <a:ext cx="5445949" cy="3851592"/>
+            <a:off x="7457440" y="6086792"/>
+            <a:ext cx="3698239" cy="629920"/>
           </a:xfrm>
           <a:prstGeom prst="rect">
             <a:avLst/>
@@ -25708,10 +25595,10 @@
       </p:pic>
       <p:pic>
         <p:nvPicPr>
-          <p:cNvPr id="8" name="Picture 7" descr="A picture containing text&#10;&#10;Description automatically generated">
+          <p:cNvPr id="3" name="Picture 2" descr="Table&#10;&#10;Description automatically generated">
             <a:extLst>
               <a:ext uri="{FF2B5EF4-FFF2-40B4-BE49-F238E27FC236}">
-                <a16:creationId xmlns:a16="http://schemas.microsoft.com/office/drawing/2014/main" id="{C9D608CE-A487-1DB1-B57E-BB8A0FDA4227}"/>
+                <a16:creationId xmlns:a16="http://schemas.microsoft.com/office/drawing/2014/main" id="{101B974E-9133-2645-73F8-469D77B86EF6}"/>
               </a:ext>
             </a:extLst>
           </p:cNvPr>
@@ -25734,8 +25621,44 @@
         </p:blipFill>
         <p:spPr>
           <a:xfrm>
-            <a:off x="7457440" y="4582160"/>
-            <a:ext cx="3698239" cy="1397000"/>
+            <a:off x="761525" y="1492568"/>
+            <a:ext cx="9246075" cy="2439352"/>
+          </a:xfrm>
+          <a:prstGeom prst="rect">
+            <a:avLst/>
+          </a:prstGeom>
+        </p:spPr>
+      </p:pic>
+      <p:pic>
+        <p:nvPicPr>
+          <p:cNvPr id="5" name="Picture 4" descr="Scatter chart&#10;&#10;Description automatically generated with low confidence">
+            <a:extLst>
+              <a:ext uri="{FF2B5EF4-FFF2-40B4-BE49-F238E27FC236}">
+                <a16:creationId xmlns:a16="http://schemas.microsoft.com/office/drawing/2014/main" id="{9DD30FF9-4A3D-D8A0-438E-360212055584}"/>
+              </a:ext>
+            </a:extLst>
+          </p:cNvPr>
+          <p:cNvPicPr>
+            <a:picLocks noChangeAspect="1"/>
+          </p:cNvPicPr>
+          <p:nvPr/>
+        </p:nvPicPr>
+        <p:blipFill>
+          <a:blip r:embed="rId5">
+            <a:extLst>
+              <a:ext uri="{28A0092B-C50C-407E-A947-70E740481C1C}">
+                <a14:useLocalDpi xmlns:a14="http://schemas.microsoft.com/office/drawing/2010/main" val="0"/>
+              </a:ext>
+            </a:extLst>
+          </a:blip>
+          <a:stretch>
+            <a:fillRect/>
+          </a:stretch>
+        </p:blipFill>
+        <p:spPr>
+          <a:xfrm>
+            <a:off x="761525" y="4084320"/>
+            <a:ext cx="9246075" cy="1737360"/>
           </a:xfrm>
           <a:prstGeom prst="rect">
             <a:avLst/>

--- a/Education for income.pptx
+++ b/Education for income.pptx
@@ -7,7 +7,7 @@
     <p:sldMasterId id="2147483672" r:id="rId3"/>
   </p:sldMasterIdLst>
   <p:notesMasterIdLst>
-    <p:notesMasterId r:id="rId15"/>
+    <p:notesMasterId r:id="rId14"/>
   </p:notesMasterIdLst>
   <p:sldIdLst>
     <p:sldId id="256" r:id="rId4"/>
@@ -19,8 +19,7 @@
     <p:sldId id="270" r:id="rId10"/>
     <p:sldId id="272" r:id="rId11"/>
     <p:sldId id="273" r:id="rId12"/>
-    <p:sldId id="276" r:id="rId13"/>
-    <p:sldId id="266" r:id="rId14"/>
+    <p:sldId id="266" r:id="rId13"/>
   </p:sldIdLst>
   <p:sldSz cx="12192000" cy="6858000"/>
   <p:notesSz cx="6858000" cy="9144000"/>
@@ -130,7 +129,7 @@
 <file path=ppt/revisionInfo.xml><?xml version="1.0" encoding="utf-8"?>
 <p1510:revInfo xmlns:a="http://schemas.openxmlformats.org/drawingml/2006/main" xmlns:r="http://schemas.openxmlformats.org/officeDocument/2006/relationships" xmlns:p1510="http://schemas.microsoft.com/office/powerpoint/2015/10/main">
   <p1510:revLst>
-    <p1510:client id="{1C2DCD8C-C766-4FC6-B3FA-D41B355FCA18}" v="1" dt="2022-08-31T01:20:37.686"/>
+    <p1510:client id="{1C2DCD8C-C766-4FC6-B3FA-D41B355FCA18}" v="2" dt="2022-08-31T21:34:10.080"/>
   </p1510:revLst>
 </p1510:revInfo>
 </file>
@@ -139,13 +138,13 @@
 <pc:chgInfo xmlns:a="http://schemas.openxmlformats.org/drawingml/2006/main" xmlns:r="http://schemas.openxmlformats.org/officeDocument/2006/relationships" xmlns:ac="http://schemas.microsoft.com/office/drawing/2013/main/command" xmlns:pc="http://schemas.microsoft.com/office/powerpoint/2013/main/command">
   <pc:docChgLst>
     <pc:chgData name="prak bagavatula" userId="f05f830ce8060121" providerId="LiveId" clId="{1C2DCD8C-C766-4FC6-B3FA-D41B355FCA18}"/>
-    <pc:docChg chg="delSld modSld">
-      <pc:chgData name="prak bagavatula" userId="f05f830ce8060121" providerId="LiveId" clId="{1C2DCD8C-C766-4FC6-B3FA-D41B355FCA18}" dt="2022-08-31T01:21:07.012" v="6" actId="2696"/>
+    <pc:docChg chg="custSel delSld modSld">
+      <pc:chgData name="prak bagavatula" userId="f05f830ce8060121" providerId="LiveId" clId="{1C2DCD8C-C766-4FC6-B3FA-D41B355FCA18}" dt="2022-08-31T21:34:16.199" v="284" actId="1076"/>
       <pc:docMkLst>
         <pc:docMk/>
       </pc:docMkLst>
-      <pc:sldChg chg="addSp modSp mod">
-        <pc:chgData name="prak bagavatula" userId="f05f830ce8060121" providerId="LiveId" clId="{1C2DCD8C-C766-4FC6-B3FA-D41B355FCA18}" dt="2022-08-31T01:20:43.913" v="4" actId="1076"/>
+      <pc:sldChg chg="addSp modSp mod modNotesTx">
+        <pc:chgData name="prak bagavatula" userId="f05f830ce8060121" providerId="LiveId" clId="{1C2DCD8C-C766-4FC6-B3FA-D41B355FCA18}" dt="2022-08-31T21:34:16.199" v="284" actId="1076"/>
         <pc:sldMkLst>
           <pc:docMk/>
           <pc:sldMk cId="0" sldId="265"/>
@@ -158,6 +157,52 @@
             <ac:picMk id="3" creationId="{666FF72E-6224-076E-89FD-4AAC23B7705E}"/>
           </ac:picMkLst>
         </pc:picChg>
+        <pc:picChg chg="add mod">
+          <ac:chgData name="prak bagavatula" userId="f05f830ce8060121" providerId="LiveId" clId="{1C2DCD8C-C766-4FC6-B3FA-D41B355FCA18}" dt="2022-08-31T21:34:16.199" v="284" actId="1076"/>
+          <ac:picMkLst>
+            <pc:docMk/>
+            <pc:sldMk cId="0" sldId="265"/>
+            <ac:picMk id="4" creationId="{21AFA899-A593-ED01-5286-7DE4F0FB9484}"/>
+          </ac:picMkLst>
+        </pc:picChg>
+      </pc:sldChg>
+      <pc:sldChg chg="modSp mod modNotesTx">
+        <pc:chgData name="prak bagavatula" userId="f05f830ce8060121" providerId="LiveId" clId="{1C2DCD8C-C766-4FC6-B3FA-D41B355FCA18}" dt="2022-08-31T21:33:41.946" v="279" actId="5793"/>
+        <pc:sldMkLst>
+          <pc:docMk/>
+          <pc:sldMk cId="1373066523" sldId="266"/>
+        </pc:sldMkLst>
+        <pc:spChg chg="mod">
+          <ac:chgData name="prak bagavatula" userId="f05f830ce8060121" providerId="LiveId" clId="{1C2DCD8C-C766-4FC6-B3FA-D41B355FCA18}" dt="2022-08-31T21:33:38.720" v="278" actId="20577"/>
+          <ac:spMkLst>
+            <pc:docMk/>
+            <pc:sldMk cId="1373066523" sldId="266"/>
+            <ac:spMk id="2" creationId="{D8D49DFA-66BE-4652-8EBF-EACCBFD662E7}"/>
+          </ac:spMkLst>
+        </pc:spChg>
+        <pc:spChg chg="mod">
+          <ac:chgData name="prak bagavatula" userId="f05f830ce8060121" providerId="LiveId" clId="{1C2DCD8C-C766-4FC6-B3FA-D41B355FCA18}" dt="2022-08-31T21:33:41.946" v="279" actId="5793"/>
+          <ac:spMkLst>
+            <pc:docMk/>
+            <pc:sldMk cId="1373066523" sldId="266"/>
+            <ac:spMk id="3" creationId="{2198673E-7CC1-4548-B21E-78DA8EB7E866}"/>
+          </ac:spMkLst>
+        </pc:spChg>
+      </pc:sldChg>
+      <pc:sldChg chg="modSp mod">
+        <pc:chgData name="prak bagavatula" userId="f05f830ce8060121" providerId="LiveId" clId="{1C2DCD8C-C766-4FC6-B3FA-D41B355FCA18}" dt="2022-08-31T02:01:48.416" v="13" actId="20577"/>
+        <pc:sldMkLst>
+          <pc:docMk/>
+          <pc:sldMk cId="0" sldId="270"/>
+        </pc:sldMkLst>
+        <pc:spChg chg="mod">
+          <ac:chgData name="prak bagavatula" userId="f05f830ce8060121" providerId="LiveId" clId="{1C2DCD8C-C766-4FC6-B3FA-D41B355FCA18}" dt="2022-08-31T02:01:48.416" v="13" actId="20577"/>
+          <ac:spMkLst>
+            <pc:docMk/>
+            <pc:sldMk cId="0" sldId="270"/>
+            <ac:spMk id="224" creationId="{00000000-0000-0000-0000-000000000000}"/>
+          </ac:spMkLst>
+        </pc:spChg>
       </pc:sldChg>
       <pc:sldChg chg="del">
         <pc:chgData name="prak bagavatula" userId="f05f830ce8060121" providerId="LiveId" clId="{1C2DCD8C-C766-4FC6-B3FA-D41B355FCA18}" dt="2022-08-31T01:21:04.379" v="5" actId="2696"/>
@@ -171,6 +216,13 @@
         <pc:sldMkLst>
           <pc:docMk/>
           <pc:sldMk cId="1717816431" sldId="275"/>
+        </pc:sldMkLst>
+      </pc:sldChg>
+      <pc:sldChg chg="del">
+        <pc:chgData name="prak bagavatula" userId="f05f830ce8060121" providerId="LiveId" clId="{1C2DCD8C-C766-4FC6-B3FA-D41B355FCA18}" dt="2022-08-31T01:57:40.416" v="11" actId="2696"/>
+        <pc:sldMkLst>
+          <pc:docMk/>
+          <pc:sldMk cId="3606339361" sldId="276"/>
         </pc:sldMkLst>
       </pc:sldChg>
     </pc:docChg>
@@ -260,7 +312,7 @@
           <a:p>
             <a:fld id="{640C3D37-B52B-421F-9961-BB6057BDE57F}" type="datetimeFigureOut">
               <a:rPr lang="en-US" smtClean="0"/>
-              <a:t>8/30/2022</a:t>
+              <a:t>8/31/2022</a:t>
             </a:fld>
             <a:endParaRPr lang="en-US"/>
           </a:p>
@@ -620,10 +672,10 @@
               <a:buNone/>
             </a:pPr>
             <a:r>
-              <a:rPr lang="en"/>
+              <a:rPr lang="en" dirty="0"/>
               <a:t>Aizel </a:t>
             </a:r>
-            <a:endParaRPr/>
+            <a:endParaRPr dirty="0"/>
           </a:p>
         </p:txBody>
       </p:sp>
@@ -1056,11 +1108,7 @@
               </a:spcAft>
               <a:buNone/>
             </a:pPr>
-            <a:r>
-              <a:rPr lang="en"/>
-              <a:t>Yafreisi</a:t>
-            </a:r>
-            <a:endParaRPr/>
+            <a:endParaRPr dirty="0"/>
           </a:p>
         </p:txBody>
       </p:sp>
@@ -1396,6 +1444,90 @@
 </p:notes>
 </file>
 
+<file path=ppt/notesSlides/notesSlide9.xml><?xml version="1.0" encoding="utf-8"?>
+<p:notes xmlns:a="http://schemas.openxmlformats.org/drawingml/2006/main" xmlns:r="http://schemas.openxmlformats.org/officeDocument/2006/relationships" xmlns:p="http://schemas.openxmlformats.org/presentationml/2006/main">
+  <p:cSld>
+    <p:spTree>
+      <p:nvGrpSpPr>
+        <p:cNvPr id="1" name=""/>
+        <p:cNvGrpSpPr/>
+        <p:nvPr/>
+      </p:nvGrpSpPr>
+      <p:grpSpPr>
+        <a:xfrm>
+          <a:off x="0" y="0"/>
+          <a:ext cx="0" cy="0"/>
+          <a:chOff x="0" y="0"/>
+          <a:chExt cx="0" cy="0"/>
+        </a:xfrm>
+      </p:grpSpPr>
+      <p:sp>
+        <p:nvSpPr>
+          <p:cNvPr id="2" name="Slide Image Placeholder 1"/>
+          <p:cNvSpPr>
+            <a:spLocks noGrp="1" noRot="1" noChangeAspect="1"/>
+          </p:cNvSpPr>
+          <p:nvPr>
+            <p:ph type="sldImg"/>
+          </p:nvPr>
+        </p:nvSpPr>
+        <p:spPr/>
+      </p:sp>
+      <p:sp>
+        <p:nvSpPr>
+          <p:cNvPr id="3" name="Notes Placeholder 2"/>
+          <p:cNvSpPr>
+            <a:spLocks noGrp="1"/>
+          </p:cNvSpPr>
+          <p:nvPr>
+            <p:ph type="body" idx="1"/>
+          </p:nvPr>
+        </p:nvSpPr>
+        <p:spPr/>
+        <p:txBody>
+          <a:bodyPr/>
+          <a:lstStyle/>
+          <a:p>
+            <a:endParaRPr lang="en-US" dirty="0"/>
+          </a:p>
+        </p:txBody>
+      </p:sp>
+      <p:sp>
+        <p:nvSpPr>
+          <p:cNvPr id="4" name="Slide Number Placeholder 3"/>
+          <p:cNvSpPr>
+            <a:spLocks noGrp="1"/>
+          </p:cNvSpPr>
+          <p:nvPr>
+            <p:ph type="sldNum" sz="quarter" idx="5"/>
+          </p:nvPr>
+        </p:nvSpPr>
+        <p:spPr/>
+        <p:txBody>
+          <a:bodyPr/>
+          <a:lstStyle/>
+          <a:p>
+            <a:fld id="{88297349-7A8F-4BB4-A15F-EBE53E9BBBE3}" type="slidenum">
+              <a:rPr lang="en-US" smtClean="0"/>
+              <a:t>10</a:t>
+            </a:fld>
+            <a:endParaRPr lang="en-US"/>
+          </a:p>
+        </p:txBody>
+      </p:sp>
+    </p:spTree>
+    <p:extLst>
+      <p:ext uri="{BB962C8B-B14F-4D97-AF65-F5344CB8AC3E}">
+        <p14:creationId xmlns:p14="http://schemas.microsoft.com/office/powerpoint/2010/main" val="53541063"/>
+      </p:ext>
+    </p:extLst>
+  </p:cSld>
+  <p:clrMapOvr>
+    <a:masterClrMapping/>
+  </p:clrMapOvr>
+</p:notes>
+</file>
+
 <file path=ppt/slideLayouts/slideLayout1.xml><?xml version="1.0" encoding="utf-8"?>
 <p:sldLayout xmlns:a="http://schemas.openxmlformats.org/drawingml/2006/main" xmlns:r="http://schemas.openxmlformats.org/officeDocument/2006/relationships" xmlns:p="http://schemas.openxmlformats.org/presentationml/2006/main" type="title" preserve="1">
   <p:cSld name="Title Slide">
@@ -1543,7 +1675,7 @@
           <a:p>
             <a:fld id="{C2537300-66FB-4C6C-A55A-973C72232D20}" type="datetimeFigureOut">
               <a:rPr lang="en-US" smtClean="0"/>
-              <a:t>8/30/2022</a:t>
+              <a:t>8/31/2022</a:t>
             </a:fld>
             <a:endParaRPr lang="en-US"/>
           </a:p>
@@ -1741,7 +1873,7 @@
           <a:p>
             <a:fld id="{C2537300-66FB-4C6C-A55A-973C72232D20}" type="datetimeFigureOut">
               <a:rPr lang="en-US" smtClean="0"/>
-              <a:t>8/30/2022</a:t>
+              <a:t>8/31/2022</a:t>
             </a:fld>
             <a:endParaRPr lang="en-US"/>
           </a:p>
@@ -1949,7 +2081,7 @@
           <a:p>
             <a:fld id="{C2537300-66FB-4C6C-A55A-973C72232D20}" type="datetimeFigureOut">
               <a:rPr lang="en-US" smtClean="0"/>
-              <a:t>8/30/2022</a:t>
+              <a:t>8/31/2022</a:t>
             </a:fld>
             <a:endParaRPr lang="en-US"/>
           </a:p>
@@ -7362,7 +7494,7 @@
           <a:p>
             <a:fld id="{C2537300-66FB-4C6C-A55A-973C72232D20}" type="datetimeFigureOut">
               <a:rPr lang="en-US" smtClean="0"/>
-              <a:t>8/30/2022</a:t>
+              <a:t>8/31/2022</a:t>
             </a:fld>
             <a:endParaRPr lang="en-US"/>
           </a:p>
@@ -13921,7 +14053,7 @@
           <a:p>
             <a:fld id="{C2537300-66FB-4C6C-A55A-973C72232D20}" type="datetimeFigureOut">
               <a:rPr lang="en-US" smtClean="0"/>
-              <a:t>8/30/2022</a:t>
+              <a:t>8/31/2022</a:t>
             </a:fld>
             <a:endParaRPr lang="en-US"/>
           </a:p>
@@ -15321,7 +15453,7 @@
           <a:p>
             <a:fld id="{C2537300-66FB-4C6C-A55A-973C72232D20}" type="datetimeFigureOut">
               <a:rPr lang="en-US" smtClean="0"/>
-              <a:t>8/30/2022</a:t>
+              <a:t>8/31/2022</a:t>
             </a:fld>
             <a:endParaRPr lang="en-US"/>
           </a:p>
@@ -15733,7 +15865,7 @@
           <a:p>
             <a:fld id="{C2537300-66FB-4C6C-A55A-973C72232D20}" type="datetimeFigureOut">
               <a:rPr lang="en-US" smtClean="0"/>
-              <a:t>8/30/2022</a:t>
+              <a:t>8/31/2022</a:t>
             </a:fld>
             <a:endParaRPr lang="en-US"/>
           </a:p>
@@ -15874,7 +16006,7 @@
           <a:p>
             <a:fld id="{C2537300-66FB-4C6C-A55A-973C72232D20}" type="datetimeFigureOut">
               <a:rPr lang="en-US" smtClean="0"/>
-              <a:t>8/30/2022</a:t>
+              <a:t>8/31/2022</a:t>
             </a:fld>
             <a:endParaRPr lang="en-US"/>
           </a:p>
@@ -15987,7 +16119,7 @@
           <a:p>
             <a:fld id="{C2537300-66FB-4C6C-A55A-973C72232D20}" type="datetimeFigureOut">
               <a:rPr lang="en-US" smtClean="0"/>
-              <a:t>8/30/2022</a:t>
+              <a:t>8/31/2022</a:t>
             </a:fld>
             <a:endParaRPr lang="en-US"/>
           </a:p>
@@ -16298,7 +16430,7 @@
           <a:p>
             <a:fld id="{C2537300-66FB-4C6C-A55A-973C72232D20}" type="datetimeFigureOut">
               <a:rPr lang="en-US" smtClean="0"/>
-              <a:t>8/30/2022</a:t>
+              <a:t>8/31/2022</a:t>
             </a:fld>
             <a:endParaRPr lang="en-US"/>
           </a:p>
@@ -16586,7 +16718,7 @@
           <a:p>
             <a:fld id="{C2537300-66FB-4C6C-A55A-973C72232D20}" type="datetimeFigureOut">
               <a:rPr lang="en-US" smtClean="0"/>
-              <a:t>8/30/2022</a:t>
+              <a:t>8/31/2022</a:t>
             </a:fld>
             <a:endParaRPr lang="en-US"/>
           </a:p>
@@ -16827,7 +16959,7 @@
           <a:p>
             <a:fld id="{C2537300-66FB-4C6C-A55A-973C72232D20}" type="datetimeFigureOut">
               <a:rPr lang="en-US" smtClean="0"/>
-              <a:t>8/30/2022</a:t>
+              <a:t>8/31/2022</a:t>
             </a:fld>
             <a:endParaRPr lang="en-US"/>
           </a:p>
@@ -23491,106 +23623,6 @@
           <p:cNvPr id="2" name="Title 1">
             <a:extLst>
               <a:ext uri="{FF2B5EF4-FFF2-40B4-BE49-F238E27FC236}">
-                <a16:creationId xmlns:a16="http://schemas.microsoft.com/office/drawing/2014/main" id="{F339A340-2300-425F-BB82-06D168E6CBAF}"/>
-              </a:ext>
-            </a:extLst>
-          </p:cNvPr>
-          <p:cNvSpPr>
-            <a:spLocks noGrp="1"/>
-          </p:cNvSpPr>
-          <p:nvPr>
-            <p:ph type="title" idx="4294967295"/>
-          </p:nvPr>
-        </p:nvSpPr>
-        <p:spPr>
-          <a:xfrm>
-            <a:off x="0" y="109538"/>
-            <a:ext cx="8534400" cy="1508125"/>
-          </a:xfrm>
-        </p:spPr>
-        <p:txBody>
-          <a:bodyPr/>
-          <a:lstStyle/>
-          <a:p>
-            <a:r>
-              <a:rPr lang="en-US" dirty="0"/>
-              <a:t>What we learned</a:t>
-            </a:r>
-          </a:p>
-        </p:txBody>
-      </p:sp>
-      <p:sp>
-        <p:nvSpPr>
-          <p:cNvPr id="3" name="Content Placeholder 2">
-            <a:extLst>
-              <a:ext uri="{FF2B5EF4-FFF2-40B4-BE49-F238E27FC236}">
-                <a16:creationId xmlns:a16="http://schemas.microsoft.com/office/drawing/2014/main" id="{234D25F6-9361-4D7F-A045-12C18353E452}"/>
-              </a:ext>
-            </a:extLst>
-          </p:cNvPr>
-          <p:cNvSpPr>
-            <a:spLocks noGrp="1"/>
-          </p:cNvSpPr>
-          <p:nvPr>
-            <p:ph idx="4294967295"/>
-          </p:nvPr>
-        </p:nvSpPr>
-        <p:spPr>
-          <a:xfrm>
-            <a:off x="0" y="2082800"/>
-            <a:ext cx="8534400" cy="3614738"/>
-          </a:xfrm>
-        </p:spPr>
-        <p:txBody>
-          <a:bodyPr/>
-          <a:lstStyle/>
-          <a:p>
-            <a:r>
-              <a:rPr lang="en-US" dirty="0">
-                <a:solidFill>
-                  <a:srgbClr val="FF0000"/>
-                </a:solidFill>
-              </a:rPr>
-              <a:t>(add text)</a:t>
-            </a:r>
-          </a:p>
-        </p:txBody>
-      </p:sp>
-    </p:spTree>
-    <p:extLst>
-      <p:ext uri="{BB962C8B-B14F-4D97-AF65-F5344CB8AC3E}">
-        <p14:creationId xmlns:p14="http://schemas.microsoft.com/office/powerpoint/2010/main" val="3606339361"/>
-      </p:ext>
-    </p:extLst>
-  </p:cSld>
-  <p:clrMapOvr>
-    <a:masterClrMapping/>
-  </p:clrMapOvr>
-</p:sld>
-</file>
-
-<file path=ppt/slides/slide11.xml><?xml version="1.0" encoding="utf-8"?>
-<p:sld xmlns:a="http://schemas.openxmlformats.org/drawingml/2006/main" xmlns:r="http://schemas.openxmlformats.org/officeDocument/2006/relationships" xmlns:p="http://schemas.openxmlformats.org/presentationml/2006/main">
-  <p:cSld>
-    <p:spTree>
-      <p:nvGrpSpPr>
-        <p:cNvPr id="1" name=""/>
-        <p:cNvGrpSpPr/>
-        <p:nvPr/>
-      </p:nvGrpSpPr>
-      <p:grpSpPr>
-        <a:xfrm>
-          <a:off x="0" y="0"/>
-          <a:ext cx="0" cy="0"/>
-          <a:chOff x="0" y="0"/>
-          <a:chExt cx="0" cy="0"/>
-        </a:xfrm>
-      </p:grpSpPr>
-      <p:sp>
-        <p:nvSpPr>
-          <p:cNvPr id="2" name="Title 1">
-            <a:extLst>
-              <a:ext uri="{FF2B5EF4-FFF2-40B4-BE49-F238E27FC236}">
                 <a16:creationId xmlns:a16="http://schemas.microsoft.com/office/drawing/2014/main" id="{D8D49DFA-66BE-4652-8EBF-EACCBFD662E7}"/>
               </a:ext>
             </a:extLst>
@@ -23609,13 +23641,22 @@
           </a:xfrm>
         </p:spPr>
         <p:txBody>
-          <a:bodyPr/>
+          <a:bodyPr>
+            <a:normAutofit/>
+          </a:bodyPr>
           <a:lstStyle/>
           <a:p>
             <a:r>
-              <a:rPr lang="en-US" dirty="0"/>
-              <a:t>Future</a:t>
+              <a:rPr lang="en-US" b="0" i="0" dirty="0">
+                <a:solidFill>
+                  <a:srgbClr val="1D1C1D"/>
+                </a:solidFill>
+                <a:effectLst/>
+                <a:latin typeface="Slack-Lato"/>
+              </a:rPr>
+              <a:t>What we would like to add with further development and time.</a:t>
             </a:r>
+            <a:endParaRPr lang="en-US" dirty="0"/>
           </a:p>
         </p:txBody>
       </p:sp>
@@ -23645,14 +23686,53 @@
           <a:bodyPr/>
           <a:lstStyle/>
           <a:p>
+            <a:pPr marL="0" indent="0">
+              <a:buNone/>
+            </a:pPr>
+            <a:br>
+              <a:rPr lang="en-US" dirty="0"/>
+            </a:br>
             <a:r>
-              <a:rPr lang="en-US" dirty="0">
+              <a:rPr lang="en-US" b="0" i="0" dirty="0">
                 <a:solidFill>
-                  <a:srgbClr val="FF0000"/>
+                  <a:srgbClr val="1D1C1D"/>
                 </a:solidFill>
+                <a:effectLst/>
+                <a:latin typeface="Slack-Lato"/>
               </a:rPr>
-              <a:t>What we would like to add with further development and time</a:t>
+              <a:t>•1. Include more years to the data to see how the data might have changed over a larger time frame.</a:t>
             </a:r>
+            <a:br>
+              <a:rPr lang="en-US" dirty="0"/>
+            </a:br>
+            <a:r>
+              <a:rPr lang="en-US" b="0" i="0" dirty="0">
+                <a:solidFill>
+                  <a:srgbClr val="1D1C1D"/>
+                </a:solidFill>
+                <a:effectLst/>
+                <a:latin typeface="Slack-Lato"/>
+              </a:rPr>
+              <a:t>•2. Examine enrollment versus graduation.</a:t>
+            </a:r>
+            <a:br>
+              <a:rPr lang="en-US" dirty="0"/>
+            </a:br>
+            <a:r>
+              <a:rPr lang="en-US" b="0" i="0" dirty="0">
+                <a:solidFill>
+                  <a:srgbClr val="1D1C1D"/>
+                </a:solidFill>
+                <a:effectLst/>
+                <a:latin typeface="Slack-Lato"/>
+              </a:rPr>
+              <a:t>•3. Examine countries similar to the United States and determine the same metrics and compare to the United States.</a:t>
+            </a:r>
+            <a:endParaRPr lang="en-US" dirty="0">
+              <a:solidFill>
+                <a:srgbClr val="FF0000"/>
+              </a:solidFill>
+            </a:endParaRPr>
           </a:p>
         </p:txBody>
       </p:sp>
@@ -24869,6 +24949,42 @@
           </a:prstGeom>
         </p:spPr>
       </p:pic>
+      <p:pic>
+        <p:nvPicPr>
+          <p:cNvPr id="4" name="Picture 3" descr="Map&#10;&#10;Description automatically generated">
+            <a:extLst>
+              <a:ext uri="{FF2B5EF4-FFF2-40B4-BE49-F238E27FC236}">
+                <a16:creationId xmlns:a16="http://schemas.microsoft.com/office/drawing/2014/main" id="{21AFA899-A593-ED01-5286-7DE4F0FB9484}"/>
+              </a:ext>
+            </a:extLst>
+          </p:cNvPr>
+          <p:cNvPicPr>
+            <a:picLocks noChangeAspect="1"/>
+          </p:cNvPicPr>
+          <p:nvPr/>
+        </p:nvPicPr>
+        <p:blipFill>
+          <a:blip r:embed="rId4">
+            <a:extLst>
+              <a:ext uri="{28A0092B-C50C-407E-A947-70E740481C1C}">
+                <a14:useLocalDpi xmlns:a14="http://schemas.microsoft.com/office/drawing/2010/main" val="0"/>
+              </a:ext>
+            </a:extLst>
+          </a:blip>
+          <a:stretch>
+            <a:fillRect/>
+          </a:stretch>
+        </p:blipFill>
+        <p:spPr>
+          <a:xfrm>
+            <a:off x="5240899" y="2261466"/>
+            <a:ext cx="6141747" cy="3530121"/>
+          </a:xfrm>
+          <a:prstGeom prst="rect">
+            <a:avLst/>
+          </a:prstGeom>
+        </p:spPr>
+      </p:pic>
     </p:spTree>
   </p:cSld>
   <p:clrMapOvr>
@@ -25043,7 +25159,7 @@
               <a:buChar char="❖"/>
             </a:pPr>
             <a:r>
-              <a:rPr lang="en" sz="2400" kern="0">
+              <a:rPr lang="en" sz="2400" kern="0" dirty="0">
                 <a:solidFill>
                   <a:srgbClr val="000000"/>
                 </a:solidFill>
@@ -25054,41 +25170,7 @@
               </a:rPr>
               <a:t>Cleanup of merged_results for Machine Learning purposes</a:t>
             </a:r>
-            <a:endParaRPr sz="2400" kern="0">
-              <a:solidFill>
-                <a:srgbClr val="000000"/>
-              </a:solidFill>
-              <a:latin typeface="Calibri"/>
-              <a:ea typeface="Calibri"/>
-              <a:cs typeface="Calibri"/>
-              <a:sym typeface="Calibri"/>
-            </a:endParaRPr>
-          </a:p>
-          <a:p>
-            <a:pPr marL="1219170" lvl="1" indent="-457189" defTabSz="1219170">
-              <a:lnSpc>
-                <a:spcPct val="115000"/>
-              </a:lnSpc>
-              <a:buClr>
-                <a:srgbClr val="000000"/>
-              </a:buClr>
-              <a:buSzPts val="1800"/>
-              <a:buFont typeface="Calibri"/>
-              <a:buChar char="➢"/>
-            </a:pPr>
-            <a:r>
-              <a:rPr lang="en" sz="2400" kern="0">
-                <a:solidFill>
-                  <a:srgbClr val="000000"/>
-                </a:solidFill>
-                <a:latin typeface="Calibri"/>
-                <a:ea typeface="Calibri"/>
-                <a:cs typeface="Calibri"/>
-                <a:sym typeface="Calibri"/>
-              </a:rPr>
-              <a:t>Changed per capita income from $ to % </a:t>
-            </a:r>
-            <a:endParaRPr sz="2400" kern="0">
+            <a:endParaRPr sz="2400" kern="0" dirty="0">
               <a:solidFill>
                 <a:srgbClr val="000000"/>
               </a:solidFill>
